--- a/Workshop/Presentasi/Hardware Design - Vocoder Special Function.pptx
+++ b/Workshop/Presentasi/Hardware Design - Vocoder Special Function.pptx
@@ -235,7 +235,7 @@
             <a:fld id="{7268BF31-A77F-443C-AB26-8730B613B8C5}" type="datetimeFigureOut">
               <a:rPr lang="id-ID" smtClean="0"/>
               <a:pPr/>
-              <a:t>13/11/2014</a:t>
+              <a:t>18/11/2014</a:t>
             </a:fld>
             <a:endParaRPr lang="id-ID" dirty="0"/>
           </a:p>
@@ -4288,11 +4288,7 @@
           <a:p>
             <a:r>
               <a:rPr lang="en-US" sz="2400" dirty="0" smtClean="0"/>
-              <a:t>Hardware Design – </a:t>
-            </a:r>
-            <a:r>
-              <a:rPr lang="en-US" sz="2400" dirty="0" smtClean="0"/>
-              <a:t>Vocoder Special Function</a:t>
+              <a:t>Hardware Design – Vocoder Special Function</a:t>
             </a:r>
             <a:endParaRPr lang="en-US" dirty="0"/>
           </a:p>
@@ -4512,9 +4508,182 @@
   <p:timing>
     <p:tnLst>
       <p:par>
-        <p:cTn id="1" dur="indefinite" restart="never" nodeType="tmRoot"/>
+        <p:cTn id="1" dur="indefinite" restart="never" nodeType="tmRoot">
+          <p:childTnLst>
+            <p:seq concurrent="1" nextAc="seek">
+              <p:cTn id="2" dur="indefinite" nodeType="mainSeq">
+                <p:childTnLst>
+                  <p:par>
+                    <p:cTn id="3" fill="hold">
+                      <p:stCondLst>
+                        <p:cond delay="indefinite"/>
+                      </p:stCondLst>
+                      <p:childTnLst>
+                        <p:par>
+                          <p:cTn id="4" fill="hold">
+                            <p:stCondLst>
+                              <p:cond delay="0"/>
+                            </p:stCondLst>
+                            <p:childTnLst>
+                              <p:par>
+                                <p:cTn id="5" presetID="1" presetClass="entr" presetSubtype="0" fill="hold" grpId="0" nodeType="clickEffect">
+                                  <p:stCondLst>
+                                    <p:cond delay="0"/>
+                                  </p:stCondLst>
+                                  <p:childTnLst>
+                                    <p:set>
+                                      <p:cBhvr>
+                                        <p:cTn id="6" dur="1" fill="hold">
+                                          <p:stCondLst>
+                                            <p:cond delay="0"/>
+                                          </p:stCondLst>
+                                        </p:cTn>
+                                        <p:tgtEl>
+                                          <p:spTgt spid="3">
+                                            <p:txEl>
+                                              <p:pRg st="0" end="0"/>
+                                            </p:txEl>
+                                          </p:spTgt>
+                                        </p:tgtEl>
+                                        <p:attrNameLst>
+                                          <p:attrName>style.visibility</p:attrName>
+                                        </p:attrNameLst>
+                                      </p:cBhvr>
+                                      <p:to>
+                                        <p:strVal val="visible"/>
+                                      </p:to>
+                                    </p:set>
+                                  </p:childTnLst>
+                                </p:cTn>
+                              </p:par>
+                            </p:childTnLst>
+                          </p:cTn>
+                        </p:par>
+                      </p:childTnLst>
+                    </p:cTn>
+                  </p:par>
+                  <p:par>
+                    <p:cTn id="7" fill="hold">
+                      <p:stCondLst>
+                        <p:cond delay="indefinite"/>
+                      </p:stCondLst>
+                      <p:childTnLst>
+                        <p:par>
+                          <p:cTn id="8" fill="hold">
+                            <p:stCondLst>
+                              <p:cond delay="0"/>
+                            </p:stCondLst>
+                            <p:childTnLst>
+                              <p:par>
+                                <p:cTn id="9" presetID="1" presetClass="entr" presetSubtype="0" fill="hold" grpId="0" nodeType="clickEffect">
+                                  <p:stCondLst>
+                                    <p:cond delay="0"/>
+                                  </p:stCondLst>
+                                  <p:childTnLst>
+                                    <p:set>
+                                      <p:cBhvr>
+                                        <p:cTn id="10" dur="1" fill="hold">
+                                          <p:stCondLst>
+                                            <p:cond delay="0"/>
+                                          </p:stCondLst>
+                                        </p:cTn>
+                                        <p:tgtEl>
+                                          <p:spTgt spid="3">
+                                            <p:txEl>
+                                              <p:pRg st="2" end="2"/>
+                                            </p:txEl>
+                                          </p:spTgt>
+                                        </p:tgtEl>
+                                        <p:attrNameLst>
+                                          <p:attrName>style.visibility</p:attrName>
+                                        </p:attrNameLst>
+                                      </p:cBhvr>
+                                      <p:to>
+                                        <p:strVal val="visible"/>
+                                      </p:to>
+                                    </p:set>
+                                  </p:childTnLst>
+                                </p:cTn>
+                              </p:par>
+                            </p:childTnLst>
+                          </p:cTn>
+                        </p:par>
+                      </p:childTnLst>
+                    </p:cTn>
+                  </p:par>
+                  <p:par>
+                    <p:cTn id="11" fill="hold">
+                      <p:stCondLst>
+                        <p:cond delay="indefinite"/>
+                      </p:stCondLst>
+                      <p:childTnLst>
+                        <p:par>
+                          <p:cTn id="12" fill="hold">
+                            <p:stCondLst>
+                              <p:cond delay="0"/>
+                            </p:stCondLst>
+                            <p:childTnLst>
+                              <p:par>
+                                <p:cTn id="13" presetID="1" presetClass="entr" presetSubtype="0" fill="hold" grpId="0" nodeType="clickEffect">
+                                  <p:stCondLst>
+                                    <p:cond delay="0"/>
+                                  </p:stCondLst>
+                                  <p:childTnLst>
+                                    <p:set>
+                                      <p:cBhvr>
+                                        <p:cTn id="14" dur="1" fill="hold">
+                                          <p:stCondLst>
+                                            <p:cond delay="0"/>
+                                          </p:stCondLst>
+                                        </p:cTn>
+                                        <p:tgtEl>
+                                          <p:spTgt spid="3">
+                                            <p:txEl>
+                                              <p:pRg st="4" end="4"/>
+                                            </p:txEl>
+                                          </p:spTgt>
+                                        </p:tgtEl>
+                                        <p:attrNameLst>
+                                          <p:attrName>style.visibility</p:attrName>
+                                        </p:attrNameLst>
+                                      </p:cBhvr>
+                                      <p:to>
+                                        <p:strVal val="visible"/>
+                                      </p:to>
+                                    </p:set>
+                                  </p:childTnLst>
+                                </p:cTn>
+                              </p:par>
+                            </p:childTnLst>
+                          </p:cTn>
+                        </p:par>
+                      </p:childTnLst>
+                    </p:cTn>
+                  </p:par>
+                </p:childTnLst>
+              </p:cTn>
+              <p:prevCondLst>
+                <p:cond evt="onPrev" delay="0">
+                  <p:tgtEl>
+                    <p:sldTgt/>
+                  </p:tgtEl>
+                </p:cond>
+              </p:prevCondLst>
+              <p:nextCondLst>
+                <p:cond evt="onNext" delay="0">
+                  <p:tgtEl>
+                    <p:sldTgt/>
+                  </p:tgtEl>
+                </p:cond>
+              </p:nextCondLst>
+            </p:seq>
+          </p:childTnLst>
+        </p:cTn>
       </p:par>
     </p:tnLst>
+    <p:bldLst>
+      <p:bldP spid="3" grpId="0" build="p"/>
+    </p:bldLst>
   </p:timing>
 </p:sld>
 </file>
@@ -4842,9 +5011,84 @@
   <p:timing>
     <p:tnLst>
       <p:par>
-        <p:cTn id="1" dur="indefinite" restart="never" nodeType="tmRoot"/>
+        <p:cTn id="1" dur="indefinite" restart="never" nodeType="tmRoot">
+          <p:childTnLst>
+            <p:seq concurrent="1" nextAc="seek">
+              <p:cTn id="2" dur="indefinite" nodeType="mainSeq">
+                <p:childTnLst>
+                  <p:par>
+                    <p:cTn id="3" fill="hold">
+                      <p:stCondLst>
+                        <p:cond delay="indefinite"/>
+                      </p:stCondLst>
+                      <p:childTnLst>
+                        <p:par>
+                          <p:cTn id="4" fill="hold">
+                            <p:stCondLst>
+                              <p:cond delay="0"/>
+                            </p:stCondLst>
+                            <p:childTnLst>
+                              <p:par>
+                                <p:cTn id="5" presetID="1" presetClass="entr" presetSubtype="0" fill="hold" grpId="0" nodeType="clickEffect">
+                                  <p:stCondLst>
+                                    <p:cond delay="0"/>
+                                  </p:stCondLst>
+                                  <p:childTnLst>
+                                    <p:set>
+                                      <p:cBhvr>
+                                        <p:cTn id="6" dur="1" fill="hold">
+                                          <p:stCondLst>
+                                            <p:cond delay="0"/>
+                                          </p:stCondLst>
+                                        </p:cTn>
+                                        <p:tgtEl>
+                                          <p:spTgt spid="8">
+                                            <p:txEl>
+                                              <p:pRg st="4" end="4"/>
+                                            </p:txEl>
+                                          </p:spTgt>
+                                        </p:tgtEl>
+                                        <p:attrNameLst>
+                                          <p:attrName>style.visibility</p:attrName>
+                                        </p:attrNameLst>
+                                      </p:cBhvr>
+                                      <p:to>
+                                        <p:strVal val="visible"/>
+                                      </p:to>
+                                    </p:set>
+                                  </p:childTnLst>
+                                </p:cTn>
+                              </p:par>
+                            </p:childTnLst>
+                          </p:cTn>
+                        </p:par>
+                      </p:childTnLst>
+                    </p:cTn>
+                  </p:par>
+                </p:childTnLst>
+              </p:cTn>
+              <p:prevCondLst>
+                <p:cond evt="onPrev" delay="0">
+                  <p:tgtEl>
+                    <p:sldTgt/>
+                  </p:tgtEl>
+                </p:cond>
+              </p:prevCondLst>
+              <p:nextCondLst>
+                <p:cond evt="onNext" delay="0">
+                  <p:tgtEl>
+                    <p:sldTgt/>
+                  </p:tgtEl>
+                </p:cond>
+              </p:nextCondLst>
+            </p:seq>
+          </p:childTnLst>
+        </p:cTn>
       </p:par>
     </p:tnLst>
+    <p:bldLst>
+      <p:bldP spid="8" grpId="0" build="p"/>
+    </p:bldLst>
   </p:timing>
 </p:sld>
 </file>
@@ -5015,9 +5259,182 @@
   <p:timing>
     <p:tnLst>
       <p:par>
-        <p:cTn id="1" dur="indefinite" restart="never" nodeType="tmRoot"/>
+        <p:cTn id="1" dur="indefinite" restart="never" nodeType="tmRoot">
+          <p:childTnLst>
+            <p:seq concurrent="1" nextAc="seek">
+              <p:cTn id="2" dur="indefinite" nodeType="mainSeq">
+                <p:childTnLst>
+                  <p:par>
+                    <p:cTn id="3" fill="hold">
+                      <p:stCondLst>
+                        <p:cond delay="indefinite"/>
+                      </p:stCondLst>
+                      <p:childTnLst>
+                        <p:par>
+                          <p:cTn id="4" fill="hold">
+                            <p:stCondLst>
+                              <p:cond delay="0"/>
+                            </p:stCondLst>
+                            <p:childTnLst>
+                              <p:par>
+                                <p:cTn id="5" presetID="1" presetClass="entr" presetSubtype="0" fill="hold" grpId="0" nodeType="clickEffect">
+                                  <p:stCondLst>
+                                    <p:cond delay="0"/>
+                                  </p:stCondLst>
+                                  <p:childTnLst>
+                                    <p:set>
+                                      <p:cBhvr>
+                                        <p:cTn id="6" dur="1" fill="hold">
+                                          <p:stCondLst>
+                                            <p:cond delay="0"/>
+                                          </p:stCondLst>
+                                        </p:cTn>
+                                        <p:tgtEl>
+                                          <p:spTgt spid="3">
+                                            <p:txEl>
+                                              <p:pRg st="0" end="0"/>
+                                            </p:txEl>
+                                          </p:spTgt>
+                                        </p:tgtEl>
+                                        <p:attrNameLst>
+                                          <p:attrName>style.visibility</p:attrName>
+                                        </p:attrNameLst>
+                                      </p:cBhvr>
+                                      <p:to>
+                                        <p:strVal val="visible"/>
+                                      </p:to>
+                                    </p:set>
+                                  </p:childTnLst>
+                                </p:cTn>
+                              </p:par>
+                            </p:childTnLst>
+                          </p:cTn>
+                        </p:par>
+                      </p:childTnLst>
+                    </p:cTn>
+                  </p:par>
+                  <p:par>
+                    <p:cTn id="7" fill="hold">
+                      <p:stCondLst>
+                        <p:cond delay="indefinite"/>
+                      </p:stCondLst>
+                      <p:childTnLst>
+                        <p:par>
+                          <p:cTn id="8" fill="hold">
+                            <p:stCondLst>
+                              <p:cond delay="0"/>
+                            </p:stCondLst>
+                            <p:childTnLst>
+                              <p:par>
+                                <p:cTn id="9" presetID="1" presetClass="entr" presetSubtype="0" fill="hold" grpId="0" nodeType="clickEffect">
+                                  <p:stCondLst>
+                                    <p:cond delay="0"/>
+                                  </p:stCondLst>
+                                  <p:childTnLst>
+                                    <p:set>
+                                      <p:cBhvr>
+                                        <p:cTn id="10" dur="1" fill="hold">
+                                          <p:stCondLst>
+                                            <p:cond delay="0"/>
+                                          </p:stCondLst>
+                                        </p:cTn>
+                                        <p:tgtEl>
+                                          <p:spTgt spid="3">
+                                            <p:txEl>
+                                              <p:pRg st="2" end="2"/>
+                                            </p:txEl>
+                                          </p:spTgt>
+                                        </p:tgtEl>
+                                        <p:attrNameLst>
+                                          <p:attrName>style.visibility</p:attrName>
+                                        </p:attrNameLst>
+                                      </p:cBhvr>
+                                      <p:to>
+                                        <p:strVal val="visible"/>
+                                      </p:to>
+                                    </p:set>
+                                  </p:childTnLst>
+                                </p:cTn>
+                              </p:par>
+                            </p:childTnLst>
+                          </p:cTn>
+                        </p:par>
+                      </p:childTnLst>
+                    </p:cTn>
+                  </p:par>
+                  <p:par>
+                    <p:cTn id="11" fill="hold">
+                      <p:stCondLst>
+                        <p:cond delay="indefinite"/>
+                      </p:stCondLst>
+                      <p:childTnLst>
+                        <p:par>
+                          <p:cTn id="12" fill="hold">
+                            <p:stCondLst>
+                              <p:cond delay="0"/>
+                            </p:stCondLst>
+                            <p:childTnLst>
+                              <p:par>
+                                <p:cTn id="13" presetID="1" presetClass="entr" presetSubtype="0" fill="hold" grpId="0" nodeType="clickEffect">
+                                  <p:stCondLst>
+                                    <p:cond delay="0"/>
+                                  </p:stCondLst>
+                                  <p:childTnLst>
+                                    <p:set>
+                                      <p:cBhvr>
+                                        <p:cTn id="14" dur="1" fill="hold">
+                                          <p:stCondLst>
+                                            <p:cond delay="0"/>
+                                          </p:stCondLst>
+                                        </p:cTn>
+                                        <p:tgtEl>
+                                          <p:spTgt spid="3">
+                                            <p:txEl>
+                                              <p:pRg st="4" end="4"/>
+                                            </p:txEl>
+                                          </p:spTgt>
+                                        </p:tgtEl>
+                                        <p:attrNameLst>
+                                          <p:attrName>style.visibility</p:attrName>
+                                        </p:attrNameLst>
+                                      </p:cBhvr>
+                                      <p:to>
+                                        <p:strVal val="visible"/>
+                                      </p:to>
+                                    </p:set>
+                                  </p:childTnLst>
+                                </p:cTn>
+                              </p:par>
+                            </p:childTnLst>
+                          </p:cTn>
+                        </p:par>
+                      </p:childTnLst>
+                    </p:cTn>
+                  </p:par>
+                </p:childTnLst>
+              </p:cTn>
+              <p:prevCondLst>
+                <p:cond evt="onPrev" delay="0">
+                  <p:tgtEl>
+                    <p:sldTgt/>
+                  </p:tgtEl>
+                </p:cond>
+              </p:prevCondLst>
+              <p:nextCondLst>
+                <p:cond evt="onNext" delay="0">
+                  <p:tgtEl>
+                    <p:sldTgt/>
+                  </p:tgtEl>
+                </p:cond>
+              </p:nextCondLst>
+            </p:seq>
+          </p:childTnLst>
+        </p:cTn>
       </p:par>
     </p:tnLst>
+    <p:bldLst>
+      <p:bldP spid="3" grpId="0" build="p"/>
+    </p:bldLst>
   </p:timing>
 </p:sld>
 </file>
@@ -5188,9 +5605,182 @@
   <p:timing>
     <p:tnLst>
       <p:par>
-        <p:cTn id="1" dur="indefinite" restart="never" nodeType="tmRoot"/>
+        <p:cTn id="1" dur="indefinite" restart="never" nodeType="tmRoot">
+          <p:childTnLst>
+            <p:seq concurrent="1" nextAc="seek">
+              <p:cTn id="2" dur="indefinite" nodeType="mainSeq">
+                <p:childTnLst>
+                  <p:par>
+                    <p:cTn id="3" fill="hold">
+                      <p:stCondLst>
+                        <p:cond delay="indefinite"/>
+                      </p:stCondLst>
+                      <p:childTnLst>
+                        <p:par>
+                          <p:cTn id="4" fill="hold">
+                            <p:stCondLst>
+                              <p:cond delay="0"/>
+                            </p:stCondLst>
+                            <p:childTnLst>
+                              <p:par>
+                                <p:cTn id="5" presetID="1" presetClass="entr" presetSubtype="0" fill="hold" grpId="0" nodeType="clickEffect">
+                                  <p:stCondLst>
+                                    <p:cond delay="0"/>
+                                  </p:stCondLst>
+                                  <p:childTnLst>
+                                    <p:set>
+                                      <p:cBhvr>
+                                        <p:cTn id="6" dur="1" fill="hold">
+                                          <p:stCondLst>
+                                            <p:cond delay="0"/>
+                                          </p:stCondLst>
+                                        </p:cTn>
+                                        <p:tgtEl>
+                                          <p:spTgt spid="3">
+                                            <p:txEl>
+                                              <p:pRg st="0" end="0"/>
+                                            </p:txEl>
+                                          </p:spTgt>
+                                        </p:tgtEl>
+                                        <p:attrNameLst>
+                                          <p:attrName>style.visibility</p:attrName>
+                                        </p:attrNameLst>
+                                      </p:cBhvr>
+                                      <p:to>
+                                        <p:strVal val="visible"/>
+                                      </p:to>
+                                    </p:set>
+                                  </p:childTnLst>
+                                </p:cTn>
+                              </p:par>
+                            </p:childTnLst>
+                          </p:cTn>
+                        </p:par>
+                      </p:childTnLst>
+                    </p:cTn>
+                  </p:par>
+                  <p:par>
+                    <p:cTn id="7" fill="hold">
+                      <p:stCondLst>
+                        <p:cond delay="indefinite"/>
+                      </p:stCondLst>
+                      <p:childTnLst>
+                        <p:par>
+                          <p:cTn id="8" fill="hold">
+                            <p:stCondLst>
+                              <p:cond delay="0"/>
+                            </p:stCondLst>
+                            <p:childTnLst>
+                              <p:par>
+                                <p:cTn id="9" presetID="1" presetClass="entr" presetSubtype="0" fill="hold" grpId="0" nodeType="clickEffect">
+                                  <p:stCondLst>
+                                    <p:cond delay="0"/>
+                                  </p:stCondLst>
+                                  <p:childTnLst>
+                                    <p:set>
+                                      <p:cBhvr>
+                                        <p:cTn id="10" dur="1" fill="hold">
+                                          <p:stCondLst>
+                                            <p:cond delay="0"/>
+                                          </p:stCondLst>
+                                        </p:cTn>
+                                        <p:tgtEl>
+                                          <p:spTgt spid="3">
+                                            <p:txEl>
+                                              <p:pRg st="2" end="2"/>
+                                            </p:txEl>
+                                          </p:spTgt>
+                                        </p:tgtEl>
+                                        <p:attrNameLst>
+                                          <p:attrName>style.visibility</p:attrName>
+                                        </p:attrNameLst>
+                                      </p:cBhvr>
+                                      <p:to>
+                                        <p:strVal val="visible"/>
+                                      </p:to>
+                                    </p:set>
+                                  </p:childTnLst>
+                                </p:cTn>
+                              </p:par>
+                            </p:childTnLst>
+                          </p:cTn>
+                        </p:par>
+                      </p:childTnLst>
+                    </p:cTn>
+                  </p:par>
+                  <p:par>
+                    <p:cTn id="11" fill="hold">
+                      <p:stCondLst>
+                        <p:cond delay="indefinite"/>
+                      </p:stCondLst>
+                      <p:childTnLst>
+                        <p:par>
+                          <p:cTn id="12" fill="hold">
+                            <p:stCondLst>
+                              <p:cond delay="0"/>
+                            </p:stCondLst>
+                            <p:childTnLst>
+                              <p:par>
+                                <p:cTn id="13" presetID="1" presetClass="entr" presetSubtype="0" fill="hold" grpId="0" nodeType="clickEffect">
+                                  <p:stCondLst>
+                                    <p:cond delay="0"/>
+                                  </p:stCondLst>
+                                  <p:childTnLst>
+                                    <p:set>
+                                      <p:cBhvr>
+                                        <p:cTn id="14" dur="1" fill="hold">
+                                          <p:stCondLst>
+                                            <p:cond delay="0"/>
+                                          </p:stCondLst>
+                                        </p:cTn>
+                                        <p:tgtEl>
+                                          <p:spTgt spid="3">
+                                            <p:txEl>
+                                              <p:pRg st="4" end="4"/>
+                                            </p:txEl>
+                                          </p:spTgt>
+                                        </p:tgtEl>
+                                        <p:attrNameLst>
+                                          <p:attrName>style.visibility</p:attrName>
+                                        </p:attrNameLst>
+                                      </p:cBhvr>
+                                      <p:to>
+                                        <p:strVal val="visible"/>
+                                      </p:to>
+                                    </p:set>
+                                  </p:childTnLst>
+                                </p:cTn>
+                              </p:par>
+                            </p:childTnLst>
+                          </p:cTn>
+                        </p:par>
+                      </p:childTnLst>
+                    </p:cTn>
+                  </p:par>
+                </p:childTnLst>
+              </p:cTn>
+              <p:prevCondLst>
+                <p:cond evt="onPrev" delay="0">
+                  <p:tgtEl>
+                    <p:sldTgt/>
+                  </p:tgtEl>
+                </p:cond>
+              </p:prevCondLst>
+              <p:nextCondLst>
+                <p:cond evt="onNext" delay="0">
+                  <p:tgtEl>
+                    <p:sldTgt/>
+                  </p:tgtEl>
+                </p:cond>
+              </p:nextCondLst>
+            </p:seq>
+          </p:childTnLst>
+        </p:cTn>
       </p:par>
     </p:tnLst>
+    <p:bldLst>
+      <p:bldP spid="3" grpId="0" build="p"/>
+    </p:bldLst>
   </p:timing>
 </p:sld>
 </file>
@@ -5521,9 +6111,84 @@
   <p:timing>
     <p:tnLst>
       <p:par>
-        <p:cTn id="1" dur="indefinite" restart="never" nodeType="tmRoot"/>
+        <p:cTn id="1" dur="indefinite" restart="never" nodeType="tmRoot">
+          <p:childTnLst>
+            <p:seq concurrent="1" nextAc="seek">
+              <p:cTn id="2" dur="indefinite" nodeType="mainSeq">
+                <p:childTnLst>
+                  <p:par>
+                    <p:cTn id="3" fill="hold">
+                      <p:stCondLst>
+                        <p:cond delay="indefinite"/>
+                      </p:stCondLst>
+                      <p:childTnLst>
+                        <p:par>
+                          <p:cTn id="4" fill="hold">
+                            <p:stCondLst>
+                              <p:cond delay="0"/>
+                            </p:stCondLst>
+                            <p:childTnLst>
+                              <p:par>
+                                <p:cTn id="5" presetID="1" presetClass="entr" presetSubtype="0" fill="hold" grpId="0" nodeType="clickEffect">
+                                  <p:stCondLst>
+                                    <p:cond delay="0"/>
+                                  </p:stCondLst>
+                                  <p:childTnLst>
+                                    <p:set>
+                                      <p:cBhvr>
+                                        <p:cTn id="6" dur="1" fill="hold">
+                                          <p:stCondLst>
+                                            <p:cond delay="0"/>
+                                          </p:stCondLst>
+                                        </p:cTn>
+                                        <p:tgtEl>
+                                          <p:spTgt spid="8">
+                                            <p:txEl>
+                                              <p:pRg st="5" end="5"/>
+                                            </p:txEl>
+                                          </p:spTgt>
+                                        </p:tgtEl>
+                                        <p:attrNameLst>
+                                          <p:attrName>style.visibility</p:attrName>
+                                        </p:attrNameLst>
+                                      </p:cBhvr>
+                                      <p:to>
+                                        <p:strVal val="visible"/>
+                                      </p:to>
+                                    </p:set>
+                                  </p:childTnLst>
+                                </p:cTn>
+                              </p:par>
+                            </p:childTnLst>
+                          </p:cTn>
+                        </p:par>
+                      </p:childTnLst>
+                    </p:cTn>
+                  </p:par>
+                </p:childTnLst>
+              </p:cTn>
+              <p:prevCondLst>
+                <p:cond evt="onPrev" delay="0">
+                  <p:tgtEl>
+                    <p:sldTgt/>
+                  </p:tgtEl>
+                </p:cond>
+              </p:prevCondLst>
+              <p:nextCondLst>
+                <p:cond evt="onNext" delay="0">
+                  <p:tgtEl>
+                    <p:sldTgt/>
+                  </p:tgtEl>
+                </p:cond>
+              </p:nextCondLst>
+            </p:seq>
+          </p:childTnLst>
+        </p:cTn>
       </p:par>
     </p:tnLst>
+    <p:bldLst>
+      <p:bldP spid="8" grpId="0" build="p"/>
+    </p:bldLst>
   </p:timing>
 </p:sld>
 </file>
@@ -5886,9 +6551,133 @@
   <p:timing>
     <p:tnLst>
       <p:par>
-        <p:cTn id="1" dur="indefinite" restart="never" nodeType="tmRoot"/>
+        <p:cTn id="1" dur="indefinite" restart="never" nodeType="tmRoot">
+          <p:childTnLst>
+            <p:seq concurrent="1" nextAc="seek">
+              <p:cTn id="2" dur="indefinite" nodeType="mainSeq">
+                <p:childTnLst>
+                  <p:par>
+                    <p:cTn id="3" fill="hold">
+                      <p:stCondLst>
+                        <p:cond delay="indefinite"/>
+                      </p:stCondLst>
+                      <p:childTnLst>
+                        <p:par>
+                          <p:cTn id="4" fill="hold">
+                            <p:stCondLst>
+                              <p:cond delay="0"/>
+                            </p:stCondLst>
+                            <p:childTnLst>
+                              <p:par>
+                                <p:cTn id="5" presetID="1" presetClass="entr" presetSubtype="0" fill="hold" grpId="0" nodeType="clickEffect">
+                                  <p:stCondLst>
+                                    <p:cond delay="0"/>
+                                  </p:stCondLst>
+                                  <p:childTnLst>
+                                    <p:set>
+                                      <p:cBhvr>
+                                        <p:cTn id="6" dur="1" fill="hold">
+                                          <p:stCondLst>
+                                            <p:cond delay="0"/>
+                                          </p:stCondLst>
+                                        </p:cTn>
+                                        <p:tgtEl>
+                                          <p:spTgt spid="8">
+                                            <p:txEl>
+                                              <p:pRg st="0" end="0"/>
+                                            </p:txEl>
+                                          </p:spTgt>
+                                        </p:tgtEl>
+                                        <p:attrNameLst>
+                                          <p:attrName>style.visibility</p:attrName>
+                                        </p:attrNameLst>
+                                      </p:cBhvr>
+                                      <p:to>
+                                        <p:strVal val="visible"/>
+                                      </p:to>
+                                    </p:set>
+                                  </p:childTnLst>
+                                </p:cTn>
+                              </p:par>
+                            </p:childTnLst>
+                          </p:cTn>
+                        </p:par>
+                      </p:childTnLst>
+                    </p:cTn>
+                  </p:par>
+                  <p:par>
+                    <p:cTn id="7" fill="hold">
+                      <p:stCondLst>
+                        <p:cond delay="indefinite"/>
+                      </p:stCondLst>
+                      <p:childTnLst>
+                        <p:par>
+                          <p:cTn id="8" fill="hold">
+                            <p:stCondLst>
+                              <p:cond delay="0"/>
+                            </p:stCondLst>
+                            <p:childTnLst>
+                              <p:par>
+                                <p:cTn id="9" presetID="1" presetClass="entr" presetSubtype="0" fill="hold" grpId="0" nodeType="clickEffect">
+                                  <p:stCondLst>
+                                    <p:cond delay="0"/>
+                                  </p:stCondLst>
+                                  <p:childTnLst>
+                                    <p:set>
+                                      <p:cBhvr>
+                                        <p:cTn id="10" dur="1" fill="hold">
+                                          <p:stCondLst>
+                                            <p:cond delay="0"/>
+                                          </p:stCondLst>
+                                        </p:cTn>
+                                        <p:tgtEl>
+                                          <p:spTgt spid="8">
+                                            <p:txEl>
+                                              <p:pRg st="6" end="6"/>
+                                            </p:txEl>
+                                          </p:spTgt>
+                                        </p:tgtEl>
+                                        <p:attrNameLst>
+                                          <p:attrName>style.visibility</p:attrName>
+                                        </p:attrNameLst>
+                                      </p:cBhvr>
+                                      <p:to>
+                                        <p:strVal val="visible"/>
+                                      </p:to>
+                                    </p:set>
+                                  </p:childTnLst>
+                                </p:cTn>
+                              </p:par>
+                            </p:childTnLst>
+                          </p:cTn>
+                        </p:par>
+                      </p:childTnLst>
+                    </p:cTn>
+                  </p:par>
+                </p:childTnLst>
+              </p:cTn>
+              <p:prevCondLst>
+                <p:cond evt="onPrev" delay="0">
+                  <p:tgtEl>
+                    <p:sldTgt/>
+                  </p:tgtEl>
+                </p:cond>
+              </p:prevCondLst>
+              <p:nextCondLst>
+                <p:cond evt="onNext" delay="0">
+                  <p:tgtEl>
+                    <p:sldTgt/>
+                  </p:tgtEl>
+                </p:cond>
+              </p:nextCondLst>
+            </p:seq>
+          </p:childTnLst>
+        </p:cTn>
       </p:par>
     </p:tnLst>
+    <p:bldLst>
+      <p:bldP spid="8" grpId="0" build="p"/>
+    </p:bldLst>
   </p:timing>
 </p:sld>
 </file>
@@ -6050,9 +6839,133 @@
   <p:timing>
     <p:tnLst>
       <p:par>
-        <p:cTn id="1" dur="indefinite" restart="never" nodeType="tmRoot"/>
+        <p:cTn id="1" dur="indefinite" restart="never" nodeType="tmRoot">
+          <p:childTnLst>
+            <p:seq concurrent="1" nextAc="seek">
+              <p:cTn id="2" dur="indefinite" nodeType="mainSeq">
+                <p:childTnLst>
+                  <p:par>
+                    <p:cTn id="3" fill="hold">
+                      <p:stCondLst>
+                        <p:cond delay="indefinite"/>
+                      </p:stCondLst>
+                      <p:childTnLst>
+                        <p:par>
+                          <p:cTn id="4" fill="hold">
+                            <p:stCondLst>
+                              <p:cond delay="0"/>
+                            </p:stCondLst>
+                            <p:childTnLst>
+                              <p:par>
+                                <p:cTn id="5" presetID="1" presetClass="entr" presetSubtype="0" fill="hold" grpId="0" nodeType="clickEffect">
+                                  <p:stCondLst>
+                                    <p:cond delay="0"/>
+                                  </p:stCondLst>
+                                  <p:childTnLst>
+                                    <p:set>
+                                      <p:cBhvr>
+                                        <p:cTn id="6" dur="1" fill="hold">
+                                          <p:stCondLst>
+                                            <p:cond delay="0"/>
+                                          </p:stCondLst>
+                                        </p:cTn>
+                                        <p:tgtEl>
+                                          <p:spTgt spid="3">
+                                            <p:txEl>
+                                              <p:pRg st="0" end="0"/>
+                                            </p:txEl>
+                                          </p:spTgt>
+                                        </p:tgtEl>
+                                        <p:attrNameLst>
+                                          <p:attrName>style.visibility</p:attrName>
+                                        </p:attrNameLst>
+                                      </p:cBhvr>
+                                      <p:to>
+                                        <p:strVal val="visible"/>
+                                      </p:to>
+                                    </p:set>
+                                  </p:childTnLst>
+                                </p:cTn>
+                              </p:par>
+                            </p:childTnLst>
+                          </p:cTn>
+                        </p:par>
+                      </p:childTnLst>
+                    </p:cTn>
+                  </p:par>
+                  <p:par>
+                    <p:cTn id="7" fill="hold">
+                      <p:stCondLst>
+                        <p:cond delay="indefinite"/>
+                      </p:stCondLst>
+                      <p:childTnLst>
+                        <p:par>
+                          <p:cTn id="8" fill="hold">
+                            <p:stCondLst>
+                              <p:cond delay="0"/>
+                            </p:stCondLst>
+                            <p:childTnLst>
+                              <p:par>
+                                <p:cTn id="9" presetID="1" presetClass="entr" presetSubtype="0" fill="hold" grpId="0" nodeType="clickEffect">
+                                  <p:stCondLst>
+                                    <p:cond delay="0"/>
+                                  </p:stCondLst>
+                                  <p:childTnLst>
+                                    <p:set>
+                                      <p:cBhvr>
+                                        <p:cTn id="10" dur="1" fill="hold">
+                                          <p:stCondLst>
+                                            <p:cond delay="0"/>
+                                          </p:stCondLst>
+                                        </p:cTn>
+                                        <p:tgtEl>
+                                          <p:spTgt spid="3">
+                                            <p:txEl>
+                                              <p:pRg st="2" end="2"/>
+                                            </p:txEl>
+                                          </p:spTgt>
+                                        </p:tgtEl>
+                                        <p:attrNameLst>
+                                          <p:attrName>style.visibility</p:attrName>
+                                        </p:attrNameLst>
+                                      </p:cBhvr>
+                                      <p:to>
+                                        <p:strVal val="visible"/>
+                                      </p:to>
+                                    </p:set>
+                                  </p:childTnLst>
+                                </p:cTn>
+                              </p:par>
+                            </p:childTnLst>
+                          </p:cTn>
+                        </p:par>
+                      </p:childTnLst>
+                    </p:cTn>
+                  </p:par>
+                </p:childTnLst>
+              </p:cTn>
+              <p:prevCondLst>
+                <p:cond evt="onPrev" delay="0">
+                  <p:tgtEl>
+                    <p:sldTgt/>
+                  </p:tgtEl>
+                </p:cond>
+              </p:prevCondLst>
+              <p:nextCondLst>
+                <p:cond evt="onNext" delay="0">
+                  <p:tgtEl>
+                    <p:sldTgt/>
+                  </p:tgtEl>
+                </p:cond>
+              </p:nextCondLst>
+            </p:seq>
+          </p:childTnLst>
+        </p:cTn>
       </p:par>
     </p:tnLst>
+    <p:bldLst>
+      <p:bldP spid="3" grpId="0" build="p"/>
+    </p:bldLst>
   </p:timing>
 </p:sld>
 </file>
@@ -6263,17 +7176,15 @@
           <a:lstStyle/>
           <a:p>
             <a:r>
-              <a:rPr lang="en-US" dirty="0" smtClean="0"/>
+              <a:rPr lang="en-US" i="1" dirty="0" smtClean="0"/>
               <a:t>VAD and CNI</a:t>
             </a:r>
-            <a:endParaRPr lang="en-US" dirty="0" smtClean="0"/>
           </a:p>
           <a:p>
             <a:r>
               <a:rPr lang="en-US" dirty="0" smtClean="0"/>
               <a:t>Echo Canceller</a:t>
             </a:r>
-            <a:endParaRPr lang="en-US" dirty="0" smtClean="0"/>
           </a:p>
           <a:p>
             <a:r>
@@ -6283,14 +7194,13 @@
           </a:p>
           <a:p>
             <a:r>
-              <a:rPr lang="en-US" dirty="0" smtClean="0"/>
+              <a:rPr lang="en-US" i="1" dirty="0" smtClean="0"/>
               <a:t>Soft Decision Error Correction</a:t>
             </a:r>
-            <a:endParaRPr lang="en-US" dirty="0" smtClean="0"/>
-          </a:p>
-          <a:p>
-            <a:r>
-              <a:rPr lang="en-US" dirty="0" smtClean="0"/>
+          </a:p>
+          <a:p>
+            <a:r>
+              <a:rPr lang="en-US" i="1" dirty="0" smtClean="0"/>
               <a:t>Noise Suppressor</a:t>
             </a:r>
           </a:p>
@@ -6299,7 +7209,6 @@
               <a:rPr lang="en-US" dirty="0" smtClean="0"/>
               <a:t>Companding Using A-Law and U-Law</a:t>
             </a:r>
-            <a:endParaRPr lang="en-US" dirty="0" smtClean="0"/>
           </a:p>
           <a:p>
             <a:r>
@@ -6395,9 +7304,427 @@
   <p:timing>
     <p:tnLst>
       <p:par>
-        <p:cTn id="1" dur="indefinite" restart="never" nodeType="tmRoot"/>
+        <p:cTn id="1" dur="indefinite" restart="never" nodeType="tmRoot">
+          <p:childTnLst>
+            <p:seq concurrent="1" nextAc="seek">
+              <p:cTn id="2" dur="indefinite" nodeType="mainSeq">
+                <p:childTnLst>
+                  <p:par>
+                    <p:cTn id="3" fill="hold">
+                      <p:stCondLst>
+                        <p:cond delay="indefinite"/>
+                      </p:stCondLst>
+                      <p:childTnLst>
+                        <p:par>
+                          <p:cTn id="4" fill="hold">
+                            <p:stCondLst>
+                              <p:cond delay="0"/>
+                            </p:stCondLst>
+                            <p:childTnLst>
+                              <p:par>
+                                <p:cTn id="5" presetID="1" presetClass="entr" presetSubtype="0" fill="hold" grpId="0" nodeType="clickEffect">
+                                  <p:stCondLst>
+                                    <p:cond delay="0"/>
+                                  </p:stCondLst>
+                                  <p:childTnLst>
+                                    <p:set>
+                                      <p:cBhvr>
+                                        <p:cTn id="6" dur="1" fill="hold">
+                                          <p:stCondLst>
+                                            <p:cond delay="0"/>
+                                          </p:stCondLst>
+                                        </p:cTn>
+                                        <p:tgtEl>
+                                          <p:spTgt spid="8">
+                                            <p:txEl>
+                                              <p:pRg st="0" end="0"/>
+                                            </p:txEl>
+                                          </p:spTgt>
+                                        </p:tgtEl>
+                                        <p:attrNameLst>
+                                          <p:attrName>style.visibility</p:attrName>
+                                        </p:attrNameLst>
+                                      </p:cBhvr>
+                                      <p:to>
+                                        <p:strVal val="visible"/>
+                                      </p:to>
+                                    </p:set>
+                                  </p:childTnLst>
+                                </p:cTn>
+                              </p:par>
+                            </p:childTnLst>
+                          </p:cTn>
+                        </p:par>
+                      </p:childTnLst>
+                    </p:cTn>
+                  </p:par>
+                  <p:par>
+                    <p:cTn id="7" fill="hold">
+                      <p:stCondLst>
+                        <p:cond delay="indefinite"/>
+                      </p:stCondLst>
+                      <p:childTnLst>
+                        <p:par>
+                          <p:cTn id="8" fill="hold">
+                            <p:stCondLst>
+                              <p:cond delay="0"/>
+                            </p:stCondLst>
+                            <p:childTnLst>
+                              <p:par>
+                                <p:cTn id="9" presetID="1" presetClass="entr" presetSubtype="0" fill="hold" grpId="0" nodeType="clickEffect">
+                                  <p:stCondLst>
+                                    <p:cond delay="0"/>
+                                  </p:stCondLst>
+                                  <p:childTnLst>
+                                    <p:set>
+                                      <p:cBhvr>
+                                        <p:cTn id="10" dur="1" fill="hold">
+                                          <p:stCondLst>
+                                            <p:cond delay="0"/>
+                                          </p:stCondLst>
+                                        </p:cTn>
+                                        <p:tgtEl>
+                                          <p:spTgt spid="8">
+                                            <p:txEl>
+                                              <p:pRg st="1" end="1"/>
+                                            </p:txEl>
+                                          </p:spTgt>
+                                        </p:tgtEl>
+                                        <p:attrNameLst>
+                                          <p:attrName>style.visibility</p:attrName>
+                                        </p:attrNameLst>
+                                      </p:cBhvr>
+                                      <p:to>
+                                        <p:strVal val="visible"/>
+                                      </p:to>
+                                    </p:set>
+                                  </p:childTnLst>
+                                </p:cTn>
+                              </p:par>
+                            </p:childTnLst>
+                          </p:cTn>
+                        </p:par>
+                      </p:childTnLst>
+                    </p:cTn>
+                  </p:par>
+                  <p:par>
+                    <p:cTn id="11" fill="hold">
+                      <p:stCondLst>
+                        <p:cond delay="indefinite"/>
+                      </p:stCondLst>
+                      <p:childTnLst>
+                        <p:par>
+                          <p:cTn id="12" fill="hold">
+                            <p:stCondLst>
+                              <p:cond delay="0"/>
+                            </p:stCondLst>
+                            <p:childTnLst>
+                              <p:par>
+                                <p:cTn id="13" presetID="1" presetClass="entr" presetSubtype="0" fill="hold" grpId="0" nodeType="clickEffect">
+                                  <p:stCondLst>
+                                    <p:cond delay="0"/>
+                                  </p:stCondLst>
+                                  <p:childTnLst>
+                                    <p:set>
+                                      <p:cBhvr>
+                                        <p:cTn id="14" dur="1" fill="hold">
+                                          <p:stCondLst>
+                                            <p:cond delay="0"/>
+                                          </p:stCondLst>
+                                        </p:cTn>
+                                        <p:tgtEl>
+                                          <p:spTgt spid="8">
+                                            <p:txEl>
+                                              <p:pRg st="2" end="2"/>
+                                            </p:txEl>
+                                          </p:spTgt>
+                                        </p:tgtEl>
+                                        <p:attrNameLst>
+                                          <p:attrName>style.visibility</p:attrName>
+                                        </p:attrNameLst>
+                                      </p:cBhvr>
+                                      <p:to>
+                                        <p:strVal val="visible"/>
+                                      </p:to>
+                                    </p:set>
+                                  </p:childTnLst>
+                                </p:cTn>
+                              </p:par>
+                            </p:childTnLst>
+                          </p:cTn>
+                        </p:par>
+                      </p:childTnLst>
+                    </p:cTn>
+                  </p:par>
+                  <p:par>
+                    <p:cTn id="15" fill="hold">
+                      <p:stCondLst>
+                        <p:cond delay="indefinite"/>
+                      </p:stCondLst>
+                      <p:childTnLst>
+                        <p:par>
+                          <p:cTn id="16" fill="hold">
+                            <p:stCondLst>
+                              <p:cond delay="0"/>
+                            </p:stCondLst>
+                            <p:childTnLst>
+                              <p:par>
+                                <p:cTn id="17" presetID="1" presetClass="entr" presetSubtype="0" fill="hold" grpId="0" nodeType="clickEffect">
+                                  <p:stCondLst>
+                                    <p:cond delay="0"/>
+                                  </p:stCondLst>
+                                  <p:childTnLst>
+                                    <p:set>
+                                      <p:cBhvr>
+                                        <p:cTn id="18" dur="1" fill="hold">
+                                          <p:stCondLst>
+                                            <p:cond delay="0"/>
+                                          </p:stCondLst>
+                                        </p:cTn>
+                                        <p:tgtEl>
+                                          <p:spTgt spid="8">
+                                            <p:txEl>
+                                              <p:pRg st="3" end="3"/>
+                                            </p:txEl>
+                                          </p:spTgt>
+                                        </p:tgtEl>
+                                        <p:attrNameLst>
+                                          <p:attrName>style.visibility</p:attrName>
+                                        </p:attrNameLst>
+                                      </p:cBhvr>
+                                      <p:to>
+                                        <p:strVal val="visible"/>
+                                      </p:to>
+                                    </p:set>
+                                  </p:childTnLst>
+                                </p:cTn>
+                              </p:par>
+                            </p:childTnLst>
+                          </p:cTn>
+                        </p:par>
+                      </p:childTnLst>
+                    </p:cTn>
+                  </p:par>
+                  <p:par>
+                    <p:cTn id="19" fill="hold">
+                      <p:stCondLst>
+                        <p:cond delay="indefinite"/>
+                      </p:stCondLst>
+                      <p:childTnLst>
+                        <p:par>
+                          <p:cTn id="20" fill="hold">
+                            <p:stCondLst>
+                              <p:cond delay="0"/>
+                            </p:stCondLst>
+                            <p:childTnLst>
+                              <p:par>
+                                <p:cTn id="21" presetID="1" presetClass="entr" presetSubtype="0" fill="hold" grpId="0" nodeType="clickEffect">
+                                  <p:stCondLst>
+                                    <p:cond delay="0"/>
+                                  </p:stCondLst>
+                                  <p:childTnLst>
+                                    <p:set>
+                                      <p:cBhvr>
+                                        <p:cTn id="22" dur="1" fill="hold">
+                                          <p:stCondLst>
+                                            <p:cond delay="0"/>
+                                          </p:stCondLst>
+                                        </p:cTn>
+                                        <p:tgtEl>
+                                          <p:spTgt spid="8">
+                                            <p:txEl>
+                                              <p:pRg st="4" end="4"/>
+                                            </p:txEl>
+                                          </p:spTgt>
+                                        </p:tgtEl>
+                                        <p:attrNameLst>
+                                          <p:attrName>style.visibility</p:attrName>
+                                        </p:attrNameLst>
+                                      </p:cBhvr>
+                                      <p:to>
+                                        <p:strVal val="visible"/>
+                                      </p:to>
+                                    </p:set>
+                                  </p:childTnLst>
+                                </p:cTn>
+                              </p:par>
+                            </p:childTnLst>
+                          </p:cTn>
+                        </p:par>
+                      </p:childTnLst>
+                    </p:cTn>
+                  </p:par>
+                  <p:par>
+                    <p:cTn id="23" fill="hold">
+                      <p:stCondLst>
+                        <p:cond delay="indefinite"/>
+                      </p:stCondLst>
+                      <p:childTnLst>
+                        <p:par>
+                          <p:cTn id="24" fill="hold">
+                            <p:stCondLst>
+                              <p:cond delay="0"/>
+                            </p:stCondLst>
+                            <p:childTnLst>
+                              <p:par>
+                                <p:cTn id="25" presetID="1" presetClass="entr" presetSubtype="0" fill="hold" grpId="0" nodeType="clickEffect">
+                                  <p:stCondLst>
+                                    <p:cond delay="0"/>
+                                  </p:stCondLst>
+                                  <p:childTnLst>
+                                    <p:set>
+                                      <p:cBhvr>
+                                        <p:cTn id="26" dur="1" fill="hold">
+                                          <p:stCondLst>
+                                            <p:cond delay="0"/>
+                                          </p:stCondLst>
+                                        </p:cTn>
+                                        <p:tgtEl>
+                                          <p:spTgt spid="8">
+                                            <p:txEl>
+                                              <p:pRg st="5" end="5"/>
+                                            </p:txEl>
+                                          </p:spTgt>
+                                        </p:tgtEl>
+                                        <p:attrNameLst>
+                                          <p:attrName>style.visibility</p:attrName>
+                                        </p:attrNameLst>
+                                      </p:cBhvr>
+                                      <p:to>
+                                        <p:strVal val="visible"/>
+                                      </p:to>
+                                    </p:set>
+                                  </p:childTnLst>
+                                </p:cTn>
+                              </p:par>
+                            </p:childTnLst>
+                          </p:cTn>
+                        </p:par>
+                      </p:childTnLst>
+                    </p:cTn>
+                  </p:par>
+                  <p:par>
+                    <p:cTn id="27" fill="hold">
+                      <p:stCondLst>
+                        <p:cond delay="indefinite"/>
+                      </p:stCondLst>
+                      <p:childTnLst>
+                        <p:par>
+                          <p:cTn id="28" fill="hold">
+                            <p:stCondLst>
+                              <p:cond delay="0"/>
+                            </p:stCondLst>
+                            <p:childTnLst>
+                              <p:par>
+                                <p:cTn id="29" presetID="1" presetClass="entr" presetSubtype="0" fill="hold" grpId="0" nodeType="clickEffect">
+                                  <p:stCondLst>
+                                    <p:cond delay="0"/>
+                                  </p:stCondLst>
+                                  <p:childTnLst>
+                                    <p:set>
+                                      <p:cBhvr>
+                                        <p:cTn id="30" dur="1" fill="hold">
+                                          <p:stCondLst>
+                                            <p:cond delay="0"/>
+                                          </p:stCondLst>
+                                        </p:cTn>
+                                        <p:tgtEl>
+                                          <p:spTgt spid="8">
+                                            <p:txEl>
+                                              <p:pRg st="6" end="6"/>
+                                            </p:txEl>
+                                          </p:spTgt>
+                                        </p:tgtEl>
+                                        <p:attrNameLst>
+                                          <p:attrName>style.visibility</p:attrName>
+                                        </p:attrNameLst>
+                                      </p:cBhvr>
+                                      <p:to>
+                                        <p:strVal val="visible"/>
+                                      </p:to>
+                                    </p:set>
+                                  </p:childTnLst>
+                                </p:cTn>
+                              </p:par>
+                            </p:childTnLst>
+                          </p:cTn>
+                        </p:par>
+                      </p:childTnLst>
+                    </p:cTn>
+                  </p:par>
+                  <p:par>
+                    <p:cTn id="31" fill="hold">
+                      <p:stCondLst>
+                        <p:cond delay="indefinite"/>
+                      </p:stCondLst>
+                      <p:childTnLst>
+                        <p:par>
+                          <p:cTn id="32" fill="hold">
+                            <p:stCondLst>
+                              <p:cond delay="0"/>
+                            </p:stCondLst>
+                            <p:childTnLst>
+                              <p:par>
+                                <p:cTn id="33" presetID="1" presetClass="entr" presetSubtype="0" fill="hold" grpId="0" nodeType="clickEffect">
+                                  <p:stCondLst>
+                                    <p:cond delay="0"/>
+                                  </p:stCondLst>
+                                  <p:childTnLst>
+                                    <p:set>
+                                      <p:cBhvr>
+                                        <p:cTn id="34" dur="1" fill="hold">
+                                          <p:stCondLst>
+                                            <p:cond delay="0"/>
+                                          </p:stCondLst>
+                                        </p:cTn>
+                                        <p:tgtEl>
+                                          <p:spTgt spid="8">
+                                            <p:txEl>
+                                              <p:pRg st="7" end="7"/>
+                                            </p:txEl>
+                                          </p:spTgt>
+                                        </p:tgtEl>
+                                        <p:attrNameLst>
+                                          <p:attrName>style.visibility</p:attrName>
+                                        </p:attrNameLst>
+                                      </p:cBhvr>
+                                      <p:to>
+                                        <p:strVal val="visible"/>
+                                      </p:to>
+                                    </p:set>
+                                  </p:childTnLst>
+                                </p:cTn>
+                              </p:par>
+                            </p:childTnLst>
+                          </p:cTn>
+                        </p:par>
+                      </p:childTnLst>
+                    </p:cTn>
+                  </p:par>
+                </p:childTnLst>
+              </p:cTn>
+              <p:prevCondLst>
+                <p:cond evt="onPrev" delay="0">
+                  <p:tgtEl>
+                    <p:sldTgt/>
+                  </p:tgtEl>
+                </p:cond>
+              </p:prevCondLst>
+              <p:nextCondLst>
+                <p:cond evt="onNext" delay="0">
+                  <p:tgtEl>
+                    <p:sldTgt/>
+                  </p:tgtEl>
+                </p:cond>
+              </p:nextCondLst>
+            </p:seq>
+          </p:childTnLst>
+        </p:cTn>
       </p:par>
     </p:tnLst>
+    <p:bldLst>
+      <p:bldP spid="8" grpId="0" build="p"/>
+    </p:bldLst>
   </p:timing>
 </p:sld>
 </file>
@@ -6601,9 +7928,231 @@
   <p:timing>
     <p:tnLst>
       <p:par>
-        <p:cTn id="1" dur="indefinite" restart="never" nodeType="tmRoot"/>
+        <p:cTn id="1" dur="indefinite" restart="never" nodeType="tmRoot">
+          <p:childTnLst>
+            <p:seq concurrent="1" nextAc="seek">
+              <p:cTn id="2" dur="indefinite" nodeType="mainSeq">
+                <p:childTnLst>
+                  <p:par>
+                    <p:cTn id="3" fill="hold">
+                      <p:stCondLst>
+                        <p:cond delay="indefinite"/>
+                      </p:stCondLst>
+                      <p:childTnLst>
+                        <p:par>
+                          <p:cTn id="4" fill="hold">
+                            <p:stCondLst>
+                              <p:cond delay="0"/>
+                            </p:stCondLst>
+                            <p:childTnLst>
+                              <p:par>
+                                <p:cTn id="5" presetID="1" presetClass="entr" presetSubtype="0" fill="hold" grpId="0" nodeType="clickEffect">
+                                  <p:stCondLst>
+                                    <p:cond delay="0"/>
+                                  </p:stCondLst>
+                                  <p:childTnLst>
+                                    <p:set>
+                                      <p:cBhvr>
+                                        <p:cTn id="6" dur="1" fill="hold">
+                                          <p:stCondLst>
+                                            <p:cond delay="0"/>
+                                          </p:stCondLst>
+                                        </p:cTn>
+                                        <p:tgtEl>
+                                          <p:spTgt spid="8">
+                                            <p:txEl>
+                                              <p:pRg st="0" end="0"/>
+                                            </p:txEl>
+                                          </p:spTgt>
+                                        </p:tgtEl>
+                                        <p:attrNameLst>
+                                          <p:attrName>style.visibility</p:attrName>
+                                        </p:attrNameLst>
+                                      </p:cBhvr>
+                                      <p:to>
+                                        <p:strVal val="visible"/>
+                                      </p:to>
+                                    </p:set>
+                                  </p:childTnLst>
+                                </p:cTn>
+                              </p:par>
+                            </p:childTnLst>
+                          </p:cTn>
+                        </p:par>
+                      </p:childTnLst>
+                    </p:cTn>
+                  </p:par>
+                  <p:par>
+                    <p:cTn id="7" fill="hold">
+                      <p:stCondLst>
+                        <p:cond delay="indefinite"/>
+                      </p:stCondLst>
+                      <p:childTnLst>
+                        <p:par>
+                          <p:cTn id="8" fill="hold">
+                            <p:stCondLst>
+                              <p:cond delay="0"/>
+                            </p:stCondLst>
+                            <p:childTnLst>
+                              <p:par>
+                                <p:cTn id="9" presetID="1" presetClass="entr" presetSubtype="0" fill="hold" grpId="0" nodeType="clickEffect">
+                                  <p:stCondLst>
+                                    <p:cond delay="0"/>
+                                  </p:stCondLst>
+                                  <p:childTnLst>
+                                    <p:set>
+                                      <p:cBhvr>
+                                        <p:cTn id="10" dur="1" fill="hold">
+                                          <p:stCondLst>
+                                            <p:cond delay="0"/>
+                                          </p:stCondLst>
+                                        </p:cTn>
+                                        <p:tgtEl>
+                                          <p:spTgt spid="8">
+                                            <p:txEl>
+                                              <p:pRg st="2" end="2"/>
+                                            </p:txEl>
+                                          </p:spTgt>
+                                        </p:tgtEl>
+                                        <p:attrNameLst>
+                                          <p:attrName>style.visibility</p:attrName>
+                                        </p:attrNameLst>
+                                      </p:cBhvr>
+                                      <p:to>
+                                        <p:strVal val="visible"/>
+                                      </p:to>
+                                    </p:set>
+                                  </p:childTnLst>
+                                </p:cTn>
+                              </p:par>
+                            </p:childTnLst>
+                          </p:cTn>
+                        </p:par>
+                      </p:childTnLst>
+                    </p:cTn>
+                  </p:par>
+                  <p:par>
+                    <p:cTn id="11" fill="hold">
+                      <p:stCondLst>
+                        <p:cond delay="indefinite"/>
+                      </p:stCondLst>
+                      <p:childTnLst>
+                        <p:par>
+                          <p:cTn id="12" fill="hold">
+                            <p:stCondLst>
+                              <p:cond delay="0"/>
+                            </p:stCondLst>
+                            <p:childTnLst>
+                              <p:par>
+                                <p:cTn id="13" presetID="1" presetClass="entr" presetSubtype="0" fill="hold" grpId="0" nodeType="clickEffect">
+                                  <p:stCondLst>
+                                    <p:cond delay="0"/>
+                                  </p:stCondLst>
+                                  <p:childTnLst>
+                                    <p:set>
+                                      <p:cBhvr>
+                                        <p:cTn id="14" dur="1" fill="hold">
+                                          <p:stCondLst>
+                                            <p:cond delay="0"/>
+                                          </p:stCondLst>
+                                        </p:cTn>
+                                        <p:tgtEl>
+                                          <p:spTgt spid="8">
+                                            <p:txEl>
+                                              <p:pRg st="4" end="4"/>
+                                            </p:txEl>
+                                          </p:spTgt>
+                                        </p:tgtEl>
+                                        <p:attrNameLst>
+                                          <p:attrName>style.visibility</p:attrName>
+                                        </p:attrNameLst>
+                                      </p:cBhvr>
+                                      <p:to>
+                                        <p:strVal val="visible"/>
+                                      </p:to>
+                                    </p:set>
+                                  </p:childTnLst>
+                                </p:cTn>
+                              </p:par>
+                            </p:childTnLst>
+                          </p:cTn>
+                        </p:par>
+                      </p:childTnLst>
+                    </p:cTn>
+                  </p:par>
+                  <p:par>
+                    <p:cTn id="15" fill="hold">
+                      <p:stCondLst>
+                        <p:cond delay="indefinite"/>
+                      </p:stCondLst>
+                      <p:childTnLst>
+                        <p:par>
+                          <p:cTn id="16" fill="hold">
+                            <p:stCondLst>
+                              <p:cond delay="0"/>
+                            </p:stCondLst>
+                            <p:childTnLst>
+                              <p:par>
+                                <p:cTn id="17" presetID="1" presetClass="entr" presetSubtype="0" fill="hold" grpId="0" nodeType="clickEffect">
+                                  <p:stCondLst>
+                                    <p:cond delay="0"/>
+                                  </p:stCondLst>
+                                  <p:childTnLst>
+                                    <p:set>
+                                      <p:cBhvr>
+                                        <p:cTn id="18" dur="1" fill="hold">
+                                          <p:stCondLst>
+                                            <p:cond delay="0"/>
+                                          </p:stCondLst>
+                                        </p:cTn>
+                                        <p:tgtEl>
+                                          <p:spTgt spid="8">
+                                            <p:txEl>
+                                              <p:pRg st="6" end="6"/>
+                                            </p:txEl>
+                                          </p:spTgt>
+                                        </p:tgtEl>
+                                        <p:attrNameLst>
+                                          <p:attrName>style.visibility</p:attrName>
+                                        </p:attrNameLst>
+                                      </p:cBhvr>
+                                      <p:to>
+                                        <p:strVal val="visible"/>
+                                      </p:to>
+                                    </p:set>
+                                  </p:childTnLst>
+                                </p:cTn>
+                              </p:par>
+                            </p:childTnLst>
+                          </p:cTn>
+                        </p:par>
+                      </p:childTnLst>
+                    </p:cTn>
+                  </p:par>
+                </p:childTnLst>
+              </p:cTn>
+              <p:prevCondLst>
+                <p:cond evt="onPrev" delay="0">
+                  <p:tgtEl>
+                    <p:sldTgt/>
+                  </p:tgtEl>
+                </p:cond>
+              </p:prevCondLst>
+              <p:nextCondLst>
+                <p:cond evt="onNext" delay="0">
+                  <p:tgtEl>
+                    <p:sldTgt/>
+                  </p:tgtEl>
+                </p:cond>
+              </p:nextCondLst>
+            </p:seq>
+          </p:childTnLst>
+        </p:cTn>
       </p:par>
     </p:tnLst>
+    <p:bldLst>
+      <p:bldP spid="8" grpId="0" build="p"/>
+    </p:bldLst>
   </p:timing>
 </p:sld>
 </file>
@@ -6915,9 +8464,182 @@
   <p:timing>
     <p:tnLst>
       <p:par>
-        <p:cTn id="1" dur="indefinite" restart="never" nodeType="tmRoot"/>
+        <p:cTn id="1" dur="indefinite" restart="never" nodeType="tmRoot">
+          <p:childTnLst>
+            <p:seq concurrent="1" nextAc="seek">
+              <p:cTn id="2" dur="indefinite" nodeType="mainSeq">
+                <p:childTnLst>
+                  <p:par>
+                    <p:cTn id="3" fill="hold">
+                      <p:stCondLst>
+                        <p:cond delay="indefinite"/>
+                      </p:stCondLst>
+                      <p:childTnLst>
+                        <p:par>
+                          <p:cTn id="4" fill="hold">
+                            <p:stCondLst>
+                              <p:cond delay="0"/>
+                            </p:stCondLst>
+                            <p:childTnLst>
+                              <p:par>
+                                <p:cTn id="5" presetID="1" presetClass="entr" presetSubtype="0" fill="hold" grpId="0" nodeType="clickEffect">
+                                  <p:stCondLst>
+                                    <p:cond delay="0"/>
+                                  </p:stCondLst>
+                                  <p:childTnLst>
+                                    <p:set>
+                                      <p:cBhvr>
+                                        <p:cTn id="6" dur="1" fill="hold">
+                                          <p:stCondLst>
+                                            <p:cond delay="0"/>
+                                          </p:stCondLst>
+                                        </p:cTn>
+                                        <p:tgtEl>
+                                          <p:spTgt spid="8">
+                                            <p:txEl>
+                                              <p:pRg st="0" end="0"/>
+                                            </p:txEl>
+                                          </p:spTgt>
+                                        </p:tgtEl>
+                                        <p:attrNameLst>
+                                          <p:attrName>style.visibility</p:attrName>
+                                        </p:attrNameLst>
+                                      </p:cBhvr>
+                                      <p:to>
+                                        <p:strVal val="visible"/>
+                                      </p:to>
+                                    </p:set>
+                                  </p:childTnLst>
+                                </p:cTn>
+                              </p:par>
+                            </p:childTnLst>
+                          </p:cTn>
+                        </p:par>
+                      </p:childTnLst>
+                    </p:cTn>
+                  </p:par>
+                  <p:par>
+                    <p:cTn id="7" fill="hold">
+                      <p:stCondLst>
+                        <p:cond delay="indefinite"/>
+                      </p:stCondLst>
+                      <p:childTnLst>
+                        <p:par>
+                          <p:cTn id="8" fill="hold">
+                            <p:stCondLst>
+                              <p:cond delay="0"/>
+                            </p:stCondLst>
+                            <p:childTnLst>
+                              <p:par>
+                                <p:cTn id="9" presetID="1" presetClass="entr" presetSubtype="0" fill="hold" grpId="0" nodeType="clickEffect">
+                                  <p:stCondLst>
+                                    <p:cond delay="0"/>
+                                  </p:stCondLst>
+                                  <p:childTnLst>
+                                    <p:set>
+                                      <p:cBhvr>
+                                        <p:cTn id="10" dur="1" fill="hold">
+                                          <p:stCondLst>
+                                            <p:cond delay="0"/>
+                                          </p:stCondLst>
+                                        </p:cTn>
+                                        <p:tgtEl>
+                                          <p:spTgt spid="8">
+                                            <p:txEl>
+                                              <p:pRg st="2" end="2"/>
+                                            </p:txEl>
+                                          </p:spTgt>
+                                        </p:tgtEl>
+                                        <p:attrNameLst>
+                                          <p:attrName>style.visibility</p:attrName>
+                                        </p:attrNameLst>
+                                      </p:cBhvr>
+                                      <p:to>
+                                        <p:strVal val="visible"/>
+                                      </p:to>
+                                    </p:set>
+                                  </p:childTnLst>
+                                </p:cTn>
+                              </p:par>
+                            </p:childTnLst>
+                          </p:cTn>
+                        </p:par>
+                      </p:childTnLst>
+                    </p:cTn>
+                  </p:par>
+                  <p:par>
+                    <p:cTn id="11" fill="hold">
+                      <p:stCondLst>
+                        <p:cond delay="indefinite"/>
+                      </p:stCondLst>
+                      <p:childTnLst>
+                        <p:par>
+                          <p:cTn id="12" fill="hold">
+                            <p:stCondLst>
+                              <p:cond delay="0"/>
+                            </p:stCondLst>
+                            <p:childTnLst>
+                              <p:par>
+                                <p:cTn id="13" presetID="1" presetClass="entr" presetSubtype="0" fill="hold" grpId="0" nodeType="clickEffect">
+                                  <p:stCondLst>
+                                    <p:cond delay="0"/>
+                                  </p:stCondLst>
+                                  <p:childTnLst>
+                                    <p:set>
+                                      <p:cBhvr>
+                                        <p:cTn id="14" dur="1" fill="hold">
+                                          <p:stCondLst>
+                                            <p:cond delay="0"/>
+                                          </p:stCondLst>
+                                        </p:cTn>
+                                        <p:tgtEl>
+                                          <p:spTgt spid="8">
+                                            <p:txEl>
+                                              <p:pRg st="4" end="4"/>
+                                            </p:txEl>
+                                          </p:spTgt>
+                                        </p:tgtEl>
+                                        <p:attrNameLst>
+                                          <p:attrName>style.visibility</p:attrName>
+                                        </p:attrNameLst>
+                                      </p:cBhvr>
+                                      <p:to>
+                                        <p:strVal val="visible"/>
+                                      </p:to>
+                                    </p:set>
+                                  </p:childTnLst>
+                                </p:cTn>
+                              </p:par>
+                            </p:childTnLst>
+                          </p:cTn>
+                        </p:par>
+                      </p:childTnLst>
+                    </p:cTn>
+                  </p:par>
+                </p:childTnLst>
+              </p:cTn>
+              <p:prevCondLst>
+                <p:cond evt="onPrev" delay="0">
+                  <p:tgtEl>
+                    <p:sldTgt/>
+                  </p:tgtEl>
+                </p:cond>
+              </p:prevCondLst>
+              <p:nextCondLst>
+                <p:cond evt="onNext" delay="0">
+                  <p:tgtEl>
+                    <p:sldTgt/>
+                  </p:tgtEl>
+                </p:cond>
+              </p:nextCondLst>
+            </p:seq>
+          </p:childTnLst>
+        </p:cTn>
       </p:par>
     </p:tnLst>
+    <p:bldLst>
+      <p:bldP spid="8" grpId="0" build="p"/>
+    </p:bldLst>
   </p:timing>
 </p:sld>
 </file>
@@ -7333,9 +9055,84 @@
   <p:timing>
     <p:tnLst>
       <p:par>
-        <p:cTn id="1" dur="indefinite" restart="never" nodeType="tmRoot"/>
+        <p:cTn id="1" dur="indefinite" restart="never" nodeType="tmRoot">
+          <p:childTnLst>
+            <p:seq concurrent="1" nextAc="seek">
+              <p:cTn id="2" dur="indefinite" nodeType="mainSeq">
+                <p:childTnLst>
+                  <p:par>
+                    <p:cTn id="3" fill="hold">
+                      <p:stCondLst>
+                        <p:cond delay="indefinite"/>
+                      </p:stCondLst>
+                      <p:childTnLst>
+                        <p:par>
+                          <p:cTn id="4" fill="hold">
+                            <p:stCondLst>
+                              <p:cond delay="0"/>
+                            </p:stCondLst>
+                            <p:childTnLst>
+                              <p:par>
+                                <p:cTn id="5" presetID="1" presetClass="entr" presetSubtype="0" fill="hold" grpId="0" nodeType="clickEffect">
+                                  <p:stCondLst>
+                                    <p:cond delay="0"/>
+                                  </p:stCondLst>
+                                  <p:childTnLst>
+                                    <p:set>
+                                      <p:cBhvr>
+                                        <p:cTn id="6" dur="1" fill="hold">
+                                          <p:stCondLst>
+                                            <p:cond delay="0"/>
+                                          </p:stCondLst>
+                                        </p:cTn>
+                                        <p:tgtEl>
+                                          <p:spTgt spid="3">
+                                            <p:txEl>
+                                              <p:pRg st="0" end="0"/>
+                                            </p:txEl>
+                                          </p:spTgt>
+                                        </p:tgtEl>
+                                        <p:attrNameLst>
+                                          <p:attrName>style.visibility</p:attrName>
+                                        </p:attrNameLst>
+                                      </p:cBhvr>
+                                      <p:to>
+                                        <p:strVal val="visible"/>
+                                      </p:to>
+                                    </p:set>
+                                  </p:childTnLst>
+                                </p:cTn>
+                              </p:par>
+                            </p:childTnLst>
+                          </p:cTn>
+                        </p:par>
+                      </p:childTnLst>
+                    </p:cTn>
+                  </p:par>
+                </p:childTnLst>
+              </p:cTn>
+              <p:prevCondLst>
+                <p:cond evt="onPrev" delay="0">
+                  <p:tgtEl>
+                    <p:sldTgt/>
+                  </p:tgtEl>
+                </p:cond>
+              </p:prevCondLst>
+              <p:nextCondLst>
+                <p:cond evt="onNext" delay="0">
+                  <p:tgtEl>
+                    <p:sldTgt/>
+                  </p:tgtEl>
+                </p:cond>
+              </p:nextCondLst>
+            </p:seq>
+          </p:childTnLst>
+        </p:cTn>
       </p:par>
     </p:tnLst>
+    <p:bldLst>
+      <p:bldP spid="3" grpId="0" build="p"/>
+    </p:bldLst>
   </p:timing>
 </p:sld>
 </file>
@@ -7724,9 +9521,337 @@
   <p:timing>
     <p:tnLst>
       <p:par>
-        <p:cTn id="1" dur="indefinite" restart="never" nodeType="tmRoot"/>
+        <p:cTn id="1" dur="indefinite" restart="never" nodeType="tmRoot">
+          <p:childTnLst>
+            <p:seq concurrent="1" nextAc="seek">
+              <p:cTn id="2" dur="indefinite" nodeType="mainSeq">
+                <p:childTnLst>
+                  <p:par>
+                    <p:cTn id="3" fill="hold">
+                      <p:stCondLst>
+                        <p:cond delay="indefinite"/>
+                      </p:stCondLst>
+                      <p:childTnLst>
+                        <p:par>
+                          <p:cTn id="4" fill="hold">
+                            <p:stCondLst>
+                              <p:cond delay="0"/>
+                            </p:stCondLst>
+                            <p:childTnLst>
+                              <p:par>
+                                <p:cTn id="5" presetID="1" presetClass="entr" presetSubtype="0" fill="hold" grpId="0" nodeType="clickEffect">
+                                  <p:stCondLst>
+                                    <p:cond delay="0"/>
+                                  </p:stCondLst>
+                                  <p:childTnLst>
+                                    <p:set>
+                                      <p:cBhvr>
+                                        <p:cTn id="6" dur="1" fill="hold">
+                                          <p:stCondLst>
+                                            <p:cond delay="0"/>
+                                          </p:stCondLst>
+                                        </p:cTn>
+                                        <p:tgtEl>
+                                          <p:spTgt spid="8">
+                                            <p:txEl>
+                                              <p:pRg st="0" end="0"/>
+                                            </p:txEl>
+                                          </p:spTgt>
+                                        </p:tgtEl>
+                                        <p:attrNameLst>
+                                          <p:attrName>style.visibility</p:attrName>
+                                        </p:attrNameLst>
+                                      </p:cBhvr>
+                                      <p:to>
+                                        <p:strVal val="visible"/>
+                                      </p:to>
+                                    </p:set>
+                                  </p:childTnLst>
+                                </p:cTn>
+                              </p:par>
+                              <p:par>
+                                <p:cTn id="7" presetID="1" presetClass="entr" presetSubtype="0" fill="hold" grpId="0" nodeType="withEffect">
+                                  <p:stCondLst>
+                                    <p:cond delay="0"/>
+                                  </p:stCondLst>
+                                  <p:childTnLst>
+                                    <p:set>
+                                      <p:cBhvr>
+                                        <p:cTn id="8" dur="1" fill="hold">
+                                          <p:stCondLst>
+                                            <p:cond delay="0"/>
+                                          </p:stCondLst>
+                                        </p:cTn>
+                                        <p:tgtEl>
+                                          <p:spTgt spid="8">
+                                            <p:txEl>
+                                              <p:pRg st="1" end="1"/>
+                                            </p:txEl>
+                                          </p:spTgt>
+                                        </p:tgtEl>
+                                        <p:attrNameLst>
+                                          <p:attrName>style.visibility</p:attrName>
+                                        </p:attrNameLst>
+                                      </p:cBhvr>
+                                      <p:to>
+                                        <p:strVal val="visible"/>
+                                      </p:to>
+                                    </p:set>
+                                  </p:childTnLst>
+                                </p:cTn>
+                              </p:par>
+                              <p:par>
+                                <p:cTn id="9" presetID="1" presetClass="entr" presetSubtype="0" fill="hold" grpId="0" nodeType="withEffect">
+                                  <p:stCondLst>
+                                    <p:cond delay="0"/>
+                                  </p:stCondLst>
+                                  <p:childTnLst>
+                                    <p:set>
+                                      <p:cBhvr>
+                                        <p:cTn id="10" dur="1" fill="hold">
+                                          <p:stCondLst>
+                                            <p:cond delay="0"/>
+                                          </p:stCondLst>
+                                        </p:cTn>
+                                        <p:tgtEl>
+                                          <p:spTgt spid="8">
+                                            <p:txEl>
+                                              <p:pRg st="2" end="2"/>
+                                            </p:txEl>
+                                          </p:spTgt>
+                                        </p:tgtEl>
+                                        <p:attrNameLst>
+                                          <p:attrName>style.visibility</p:attrName>
+                                        </p:attrNameLst>
+                                      </p:cBhvr>
+                                      <p:to>
+                                        <p:strVal val="visible"/>
+                                      </p:to>
+                                    </p:set>
+                                  </p:childTnLst>
+                                </p:cTn>
+                              </p:par>
+                            </p:childTnLst>
+                          </p:cTn>
+                        </p:par>
+                      </p:childTnLst>
+                    </p:cTn>
+                  </p:par>
+                  <p:par>
+                    <p:cTn id="11" fill="hold">
+                      <p:stCondLst>
+                        <p:cond delay="indefinite"/>
+                      </p:stCondLst>
+                      <p:childTnLst>
+                        <p:par>
+                          <p:cTn id="12" fill="hold">
+                            <p:stCondLst>
+                              <p:cond delay="0"/>
+                            </p:stCondLst>
+                            <p:childTnLst>
+                              <p:par>
+                                <p:cTn id="13" presetID="1" presetClass="entr" presetSubtype="0" fill="hold" grpId="0" nodeType="clickEffect">
+                                  <p:stCondLst>
+                                    <p:cond delay="0"/>
+                                  </p:stCondLst>
+                                  <p:childTnLst>
+                                    <p:set>
+                                      <p:cBhvr>
+                                        <p:cTn id="14" dur="1" fill="hold">
+                                          <p:stCondLst>
+                                            <p:cond delay="0"/>
+                                          </p:stCondLst>
+                                        </p:cTn>
+                                        <p:tgtEl>
+                                          <p:spTgt spid="8">
+                                            <p:txEl>
+                                              <p:pRg st="3" end="3"/>
+                                            </p:txEl>
+                                          </p:spTgt>
+                                        </p:tgtEl>
+                                        <p:attrNameLst>
+                                          <p:attrName>style.visibility</p:attrName>
+                                        </p:attrNameLst>
+                                      </p:cBhvr>
+                                      <p:to>
+                                        <p:strVal val="visible"/>
+                                      </p:to>
+                                    </p:set>
+                                  </p:childTnLst>
+                                </p:cTn>
+                              </p:par>
+                              <p:par>
+                                <p:cTn id="15" presetID="1" presetClass="entr" presetSubtype="0" fill="hold" grpId="0" nodeType="withEffect">
+                                  <p:stCondLst>
+                                    <p:cond delay="0"/>
+                                  </p:stCondLst>
+                                  <p:childTnLst>
+                                    <p:set>
+                                      <p:cBhvr>
+                                        <p:cTn id="16" dur="1" fill="hold">
+                                          <p:stCondLst>
+                                            <p:cond delay="0"/>
+                                          </p:stCondLst>
+                                        </p:cTn>
+                                        <p:tgtEl>
+                                          <p:spTgt spid="8">
+                                            <p:txEl>
+                                              <p:pRg st="4" end="4"/>
+                                            </p:txEl>
+                                          </p:spTgt>
+                                        </p:tgtEl>
+                                        <p:attrNameLst>
+                                          <p:attrName>style.visibility</p:attrName>
+                                        </p:attrNameLst>
+                                      </p:cBhvr>
+                                      <p:to>
+                                        <p:strVal val="visible"/>
+                                      </p:to>
+                                    </p:set>
+                                  </p:childTnLst>
+                                </p:cTn>
+                              </p:par>
+                            </p:childTnLst>
+                          </p:cTn>
+                        </p:par>
+                      </p:childTnLst>
+                    </p:cTn>
+                  </p:par>
+                  <p:par>
+                    <p:cTn id="17" fill="hold">
+                      <p:stCondLst>
+                        <p:cond delay="indefinite"/>
+                      </p:stCondLst>
+                      <p:childTnLst>
+                        <p:par>
+                          <p:cTn id="18" fill="hold">
+                            <p:stCondLst>
+                              <p:cond delay="0"/>
+                            </p:stCondLst>
+                            <p:childTnLst>
+                              <p:par>
+                                <p:cTn id="19" presetID="1" presetClass="entr" presetSubtype="0" fill="hold" grpId="0" nodeType="clickEffect">
+                                  <p:stCondLst>
+                                    <p:cond delay="0"/>
+                                  </p:stCondLst>
+                                  <p:childTnLst>
+                                    <p:set>
+                                      <p:cBhvr>
+                                        <p:cTn id="20" dur="1" fill="hold">
+                                          <p:stCondLst>
+                                            <p:cond delay="0"/>
+                                          </p:stCondLst>
+                                        </p:cTn>
+                                        <p:tgtEl>
+                                          <p:spTgt spid="8">
+                                            <p:txEl>
+                                              <p:pRg st="5" end="5"/>
+                                            </p:txEl>
+                                          </p:spTgt>
+                                        </p:tgtEl>
+                                        <p:attrNameLst>
+                                          <p:attrName>style.visibility</p:attrName>
+                                        </p:attrNameLst>
+                                      </p:cBhvr>
+                                      <p:to>
+                                        <p:strVal val="visible"/>
+                                      </p:to>
+                                    </p:set>
+                                  </p:childTnLst>
+                                </p:cTn>
+                              </p:par>
+                              <p:par>
+                                <p:cTn id="21" presetID="1" presetClass="entr" presetSubtype="0" fill="hold" grpId="0" nodeType="withEffect">
+                                  <p:stCondLst>
+                                    <p:cond delay="0"/>
+                                  </p:stCondLst>
+                                  <p:childTnLst>
+                                    <p:set>
+                                      <p:cBhvr>
+                                        <p:cTn id="22" dur="1" fill="hold">
+                                          <p:stCondLst>
+                                            <p:cond delay="0"/>
+                                          </p:stCondLst>
+                                        </p:cTn>
+                                        <p:tgtEl>
+                                          <p:spTgt spid="8">
+                                            <p:txEl>
+                                              <p:pRg st="6" end="6"/>
+                                            </p:txEl>
+                                          </p:spTgt>
+                                        </p:tgtEl>
+                                        <p:attrNameLst>
+                                          <p:attrName>style.visibility</p:attrName>
+                                        </p:attrNameLst>
+                                      </p:cBhvr>
+                                      <p:to>
+                                        <p:strVal val="visible"/>
+                                      </p:to>
+                                    </p:set>
+                                  </p:childTnLst>
+                                </p:cTn>
+                              </p:par>
+                              <p:par>
+                                <p:cTn id="23" presetID="1" presetClass="entr" presetSubtype="0" fill="hold" grpId="0" nodeType="withEffect">
+                                  <p:stCondLst>
+                                    <p:cond delay="0"/>
+                                  </p:stCondLst>
+                                  <p:childTnLst>
+                                    <p:set>
+                                      <p:cBhvr>
+                                        <p:cTn id="24" dur="1" fill="hold">
+                                          <p:stCondLst>
+                                            <p:cond delay="0"/>
+                                          </p:stCondLst>
+                                        </p:cTn>
+                                        <p:tgtEl>
+                                          <p:spTgt spid="8">
+                                            <p:txEl>
+                                              <p:pRg st="7" end="7"/>
+                                            </p:txEl>
+                                          </p:spTgt>
+                                        </p:tgtEl>
+                                        <p:attrNameLst>
+                                          <p:attrName>style.visibility</p:attrName>
+                                        </p:attrNameLst>
+                                      </p:cBhvr>
+                                      <p:to>
+                                        <p:strVal val="visible"/>
+                                      </p:to>
+                                    </p:set>
+                                  </p:childTnLst>
+                                </p:cTn>
+                              </p:par>
+                            </p:childTnLst>
+                          </p:cTn>
+                        </p:par>
+                      </p:childTnLst>
+                    </p:cTn>
+                  </p:par>
+                </p:childTnLst>
+              </p:cTn>
+              <p:prevCondLst>
+                <p:cond evt="onPrev" delay="0">
+                  <p:tgtEl>
+                    <p:sldTgt/>
+                  </p:tgtEl>
+                </p:cond>
+              </p:prevCondLst>
+              <p:nextCondLst>
+                <p:cond evt="onNext" delay="0">
+                  <p:tgtEl>
+                    <p:sldTgt/>
+                  </p:tgtEl>
+                </p:cond>
+              </p:nextCondLst>
+            </p:seq>
+          </p:childTnLst>
+        </p:cTn>
       </p:par>
     </p:tnLst>
+    <p:bldLst>
+      <p:bldP spid="8" grpId="0" build="p"/>
+    </p:bldLst>
   </p:timing>
 </p:sld>
 </file>
@@ -7966,9 +10091,337 @@
   <p:timing>
     <p:tnLst>
       <p:par>
-        <p:cTn id="1" dur="indefinite" restart="never" nodeType="tmRoot"/>
+        <p:cTn id="1" dur="indefinite" restart="never" nodeType="tmRoot">
+          <p:childTnLst>
+            <p:seq concurrent="1" nextAc="seek">
+              <p:cTn id="2" dur="indefinite" nodeType="mainSeq">
+                <p:childTnLst>
+                  <p:par>
+                    <p:cTn id="3" fill="hold">
+                      <p:stCondLst>
+                        <p:cond delay="indefinite"/>
+                      </p:stCondLst>
+                      <p:childTnLst>
+                        <p:par>
+                          <p:cTn id="4" fill="hold">
+                            <p:stCondLst>
+                              <p:cond delay="0"/>
+                            </p:stCondLst>
+                            <p:childTnLst>
+                              <p:par>
+                                <p:cTn id="5" presetID="1" presetClass="entr" presetSubtype="0" fill="hold" grpId="0" nodeType="clickEffect">
+                                  <p:stCondLst>
+                                    <p:cond delay="0"/>
+                                  </p:stCondLst>
+                                  <p:childTnLst>
+                                    <p:set>
+                                      <p:cBhvr>
+                                        <p:cTn id="6" dur="1" fill="hold">
+                                          <p:stCondLst>
+                                            <p:cond delay="0"/>
+                                          </p:stCondLst>
+                                        </p:cTn>
+                                        <p:tgtEl>
+                                          <p:spTgt spid="3">
+                                            <p:txEl>
+                                              <p:pRg st="0" end="0"/>
+                                            </p:txEl>
+                                          </p:spTgt>
+                                        </p:tgtEl>
+                                        <p:attrNameLst>
+                                          <p:attrName>style.visibility</p:attrName>
+                                        </p:attrNameLst>
+                                      </p:cBhvr>
+                                      <p:to>
+                                        <p:strVal val="visible"/>
+                                      </p:to>
+                                    </p:set>
+                                  </p:childTnLst>
+                                </p:cTn>
+                              </p:par>
+                              <p:par>
+                                <p:cTn id="7" presetID="1" presetClass="entr" presetSubtype="0" fill="hold" grpId="0" nodeType="withEffect">
+                                  <p:stCondLst>
+                                    <p:cond delay="0"/>
+                                  </p:stCondLst>
+                                  <p:childTnLst>
+                                    <p:set>
+                                      <p:cBhvr>
+                                        <p:cTn id="8" dur="1" fill="hold">
+                                          <p:stCondLst>
+                                            <p:cond delay="0"/>
+                                          </p:stCondLst>
+                                        </p:cTn>
+                                        <p:tgtEl>
+                                          <p:spTgt spid="3">
+                                            <p:txEl>
+                                              <p:pRg st="1" end="1"/>
+                                            </p:txEl>
+                                          </p:spTgt>
+                                        </p:tgtEl>
+                                        <p:attrNameLst>
+                                          <p:attrName>style.visibility</p:attrName>
+                                        </p:attrNameLst>
+                                      </p:cBhvr>
+                                      <p:to>
+                                        <p:strVal val="visible"/>
+                                      </p:to>
+                                    </p:set>
+                                  </p:childTnLst>
+                                </p:cTn>
+                              </p:par>
+                              <p:par>
+                                <p:cTn id="9" presetID="1" presetClass="entr" presetSubtype="0" fill="hold" grpId="0" nodeType="withEffect">
+                                  <p:stCondLst>
+                                    <p:cond delay="0"/>
+                                  </p:stCondLst>
+                                  <p:childTnLst>
+                                    <p:set>
+                                      <p:cBhvr>
+                                        <p:cTn id="10" dur="1" fill="hold">
+                                          <p:stCondLst>
+                                            <p:cond delay="0"/>
+                                          </p:stCondLst>
+                                        </p:cTn>
+                                        <p:tgtEl>
+                                          <p:spTgt spid="3">
+                                            <p:txEl>
+                                              <p:pRg st="2" end="2"/>
+                                            </p:txEl>
+                                          </p:spTgt>
+                                        </p:tgtEl>
+                                        <p:attrNameLst>
+                                          <p:attrName>style.visibility</p:attrName>
+                                        </p:attrNameLst>
+                                      </p:cBhvr>
+                                      <p:to>
+                                        <p:strVal val="visible"/>
+                                      </p:to>
+                                    </p:set>
+                                  </p:childTnLst>
+                                </p:cTn>
+                              </p:par>
+                              <p:par>
+                                <p:cTn id="11" presetID="1" presetClass="entr" presetSubtype="0" fill="hold" grpId="0" nodeType="withEffect">
+                                  <p:stCondLst>
+                                    <p:cond delay="0"/>
+                                  </p:stCondLst>
+                                  <p:childTnLst>
+                                    <p:set>
+                                      <p:cBhvr>
+                                        <p:cTn id="12" dur="1" fill="hold">
+                                          <p:stCondLst>
+                                            <p:cond delay="0"/>
+                                          </p:stCondLst>
+                                        </p:cTn>
+                                        <p:tgtEl>
+                                          <p:spTgt spid="3">
+                                            <p:txEl>
+                                              <p:pRg st="3" end="3"/>
+                                            </p:txEl>
+                                          </p:spTgt>
+                                        </p:tgtEl>
+                                        <p:attrNameLst>
+                                          <p:attrName>style.visibility</p:attrName>
+                                        </p:attrNameLst>
+                                      </p:cBhvr>
+                                      <p:to>
+                                        <p:strVal val="visible"/>
+                                      </p:to>
+                                    </p:set>
+                                  </p:childTnLst>
+                                </p:cTn>
+                              </p:par>
+                            </p:childTnLst>
+                          </p:cTn>
+                        </p:par>
+                      </p:childTnLst>
+                    </p:cTn>
+                  </p:par>
+                  <p:par>
+                    <p:cTn id="13" fill="hold">
+                      <p:stCondLst>
+                        <p:cond delay="indefinite"/>
+                      </p:stCondLst>
+                      <p:childTnLst>
+                        <p:par>
+                          <p:cTn id="14" fill="hold">
+                            <p:stCondLst>
+                              <p:cond delay="0"/>
+                            </p:stCondLst>
+                            <p:childTnLst>
+                              <p:par>
+                                <p:cTn id="15" presetID="1" presetClass="entr" presetSubtype="0" fill="hold" grpId="0" nodeType="clickEffect">
+                                  <p:stCondLst>
+                                    <p:cond delay="0"/>
+                                  </p:stCondLst>
+                                  <p:childTnLst>
+                                    <p:set>
+                                      <p:cBhvr>
+                                        <p:cTn id="16" dur="1" fill="hold">
+                                          <p:stCondLst>
+                                            <p:cond delay="0"/>
+                                          </p:stCondLst>
+                                        </p:cTn>
+                                        <p:tgtEl>
+                                          <p:spTgt spid="3">
+                                            <p:txEl>
+                                              <p:pRg st="4" end="4"/>
+                                            </p:txEl>
+                                          </p:spTgt>
+                                        </p:tgtEl>
+                                        <p:attrNameLst>
+                                          <p:attrName>style.visibility</p:attrName>
+                                        </p:attrNameLst>
+                                      </p:cBhvr>
+                                      <p:to>
+                                        <p:strVal val="visible"/>
+                                      </p:to>
+                                    </p:set>
+                                  </p:childTnLst>
+                                </p:cTn>
+                              </p:par>
+                              <p:par>
+                                <p:cTn id="17" presetID="1" presetClass="entr" presetSubtype="0" fill="hold" grpId="0" nodeType="withEffect">
+                                  <p:stCondLst>
+                                    <p:cond delay="0"/>
+                                  </p:stCondLst>
+                                  <p:childTnLst>
+                                    <p:set>
+                                      <p:cBhvr>
+                                        <p:cTn id="18" dur="1" fill="hold">
+                                          <p:stCondLst>
+                                            <p:cond delay="0"/>
+                                          </p:stCondLst>
+                                        </p:cTn>
+                                        <p:tgtEl>
+                                          <p:spTgt spid="3">
+                                            <p:txEl>
+                                              <p:pRg st="5" end="5"/>
+                                            </p:txEl>
+                                          </p:spTgt>
+                                        </p:tgtEl>
+                                        <p:attrNameLst>
+                                          <p:attrName>style.visibility</p:attrName>
+                                        </p:attrNameLst>
+                                      </p:cBhvr>
+                                      <p:to>
+                                        <p:strVal val="visible"/>
+                                      </p:to>
+                                    </p:set>
+                                  </p:childTnLst>
+                                </p:cTn>
+                              </p:par>
+                            </p:childTnLst>
+                          </p:cTn>
+                        </p:par>
+                      </p:childTnLst>
+                    </p:cTn>
+                  </p:par>
+                  <p:par>
+                    <p:cTn id="19" fill="hold">
+                      <p:stCondLst>
+                        <p:cond delay="indefinite"/>
+                      </p:stCondLst>
+                      <p:childTnLst>
+                        <p:par>
+                          <p:cTn id="20" fill="hold">
+                            <p:stCondLst>
+                              <p:cond delay="0"/>
+                            </p:stCondLst>
+                            <p:childTnLst>
+                              <p:par>
+                                <p:cTn id="21" presetID="1" presetClass="entr" presetSubtype="0" fill="hold" grpId="0" nodeType="clickEffect">
+                                  <p:stCondLst>
+                                    <p:cond delay="0"/>
+                                  </p:stCondLst>
+                                  <p:childTnLst>
+                                    <p:set>
+                                      <p:cBhvr>
+                                        <p:cTn id="22" dur="1" fill="hold">
+                                          <p:stCondLst>
+                                            <p:cond delay="0"/>
+                                          </p:stCondLst>
+                                        </p:cTn>
+                                        <p:tgtEl>
+                                          <p:spTgt spid="3">
+                                            <p:txEl>
+                                              <p:pRg st="6" end="6"/>
+                                            </p:txEl>
+                                          </p:spTgt>
+                                        </p:tgtEl>
+                                        <p:attrNameLst>
+                                          <p:attrName>style.visibility</p:attrName>
+                                        </p:attrNameLst>
+                                      </p:cBhvr>
+                                      <p:to>
+                                        <p:strVal val="visible"/>
+                                      </p:to>
+                                    </p:set>
+                                  </p:childTnLst>
+                                </p:cTn>
+                              </p:par>
+                              <p:par>
+                                <p:cTn id="23" presetID="1" presetClass="entr" presetSubtype="0" fill="hold" grpId="0" nodeType="withEffect">
+                                  <p:stCondLst>
+                                    <p:cond delay="0"/>
+                                  </p:stCondLst>
+                                  <p:childTnLst>
+                                    <p:set>
+                                      <p:cBhvr>
+                                        <p:cTn id="24" dur="1" fill="hold">
+                                          <p:stCondLst>
+                                            <p:cond delay="0"/>
+                                          </p:stCondLst>
+                                        </p:cTn>
+                                        <p:tgtEl>
+                                          <p:spTgt spid="3">
+                                            <p:txEl>
+                                              <p:pRg st="7" end="7"/>
+                                            </p:txEl>
+                                          </p:spTgt>
+                                        </p:tgtEl>
+                                        <p:attrNameLst>
+                                          <p:attrName>style.visibility</p:attrName>
+                                        </p:attrNameLst>
+                                      </p:cBhvr>
+                                      <p:to>
+                                        <p:strVal val="visible"/>
+                                      </p:to>
+                                    </p:set>
+                                  </p:childTnLst>
+                                </p:cTn>
+                              </p:par>
+                            </p:childTnLst>
+                          </p:cTn>
+                        </p:par>
+                      </p:childTnLst>
+                    </p:cTn>
+                  </p:par>
+                </p:childTnLst>
+              </p:cTn>
+              <p:prevCondLst>
+                <p:cond evt="onPrev" delay="0">
+                  <p:tgtEl>
+                    <p:sldTgt/>
+                  </p:tgtEl>
+                </p:cond>
+              </p:prevCondLst>
+              <p:nextCondLst>
+                <p:cond evt="onNext" delay="0">
+                  <p:tgtEl>
+                    <p:sldTgt/>
+                  </p:tgtEl>
+                </p:cond>
+              </p:nextCondLst>
+            </p:seq>
+          </p:childTnLst>
+        </p:cTn>
       </p:par>
     </p:tnLst>
+    <p:bldLst>
+      <p:bldP spid="3" grpId="0" build="p"/>
+    </p:bldLst>
   </p:timing>
 </p:sld>
 </file>
@@ -8472,9 +10925,231 @@
   <p:timing>
     <p:tnLst>
       <p:par>
-        <p:cTn id="1" dur="indefinite" restart="never" nodeType="tmRoot"/>
+        <p:cTn id="1" dur="indefinite" restart="never" nodeType="tmRoot">
+          <p:childTnLst>
+            <p:seq concurrent="1" nextAc="seek">
+              <p:cTn id="2" dur="indefinite" nodeType="mainSeq">
+                <p:childTnLst>
+                  <p:par>
+                    <p:cTn id="3" fill="hold">
+                      <p:stCondLst>
+                        <p:cond delay="indefinite"/>
+                      </p:stCondLst>
+                      <p:childTnLst>
+                        <p:par>
+                          <p:cTn id="4" fill="hold">
+                            <p:stCondLst>
+                              <p:cond delay="0"/>
+                            </p:stCondLst>
+                            <p:childTnLst>
+                              <p:par>
+                                <p:cTn id="5" presetID="1" presetClass="entr" presetSubtype="0" fill="hold" grpId="0" nodeType="clickEffect">
+                                  <p:stCondLst>
+                                    <p:cond delay="0"/>
+                                  </p:stCondLst>
+                                  <p:childTnLst>
+                                    <p:set>
+                                      <p:cBhvr>
+                                        <p:cTn id="6" dur="1" fill="hold">
+                                          <p:stCondLst>
+                                            <p:cond delay="0"/>
+                                          </p:stCondLst>
+                                        </p:cTn>
+                                        <p:tgtEl>
+                                          <p:spTgt spid="8">
+                                            <p:txEl>
+                                              <p:pRg st="4" end="4"/>
+                                            </p:txEl>
+                                          </p:spTgt>
+                                        </p:tgtEl>
+                                        <p:attrNameLst>
+                                          <p:attrName>style.visibility</p:attrName>
+                                        </p:attrNameLst>
+                                      </p:cBhvr>
+                                      <p:to>
+                                        <p:strVal val="visible"/>
+                                      </p:to>
+                                    </p:set>
+                                  </p:childTnLst>
+                                </p:cTn>
+                              </p:par>
+                            </p:childTnLst>
+                          </p:cTn>
+                        </p:par>
+                      </p:childTnLst>
+                    </p:cTn>
+                  </p:par>
+                  <p:par>
+                    <p:cTn id="7" fill="hold">
+                      <p:stCondLst>
+                        <p:cond delay="indefinite"/>
+                      </p:stCondLst>
+                      <p:childTnLst>
+                        <p:par>
+                          <p:cTn id="8" fill="hold">
+                            <p:stCondLst>
+                              <p:cond delay="0"/>
+                            </p:stCondLst>
+                            <p:childTnLst>
+                              <p:par>
+                                <p:cTn id="9" presetID="1" presetClass="entr" presetSubtype="0" fill="hold" grpId="0" nodeType="clickEffect">
+                                  <p:stCondLst>
+                                    <p:cond delay="0"/>
+                                  </p:stCondLst>
+                                  <p:childTnLst>
+                                    <p:set>
+                                      <p:cBhvr>
+                                        <p:cTn id="10" dur="1" fill="hold">
+                                          <p:stCondLst>
+                                            <p:cond delay="0"/>
+                                          </p:stCondLst>
+                                        </p:cTn>
+                                        <p:tgtEl>
+                                          <p:spTgt spid="8">
+                                            <p:txEl>
+                                              <p:pRg st="5" end="5"/>
+                                            </p:txEl>
+                                          </p:spTgt>
+                                        </p:tgtEl>
+                                        <p:attrNameLst>
+                                          <p:attrName>style.visibility</p:attrName>
+                                        </p:attrNameLst>
+                                      </p:cBhvr>
+                                      <p:to>
+                                        <p:strVal val="visible"/>
+                                      </p:to>
+                                    </p:set>
+                                  </p:childTnLst>
+                                </p:cTn>
+                              </p:par>
+                            </p:childTnLst>
+                          </p:cTn>
+                        </p:par>
+                      </p:childTnLst>
+                    </p:cTn>
+                  </p:par>
+                  <p:par>
+                    <p:cTn id="11" fill="hold">
+                      <p:stCondLst>
+                        <p:cond delay="indefinite"/>
+                      </p:stCondLst>
+                      <p:childTnLst>
+                        <p:par>
+                          <p:cTn id="12" fill="hold">
+                            <p:stCondLst>
+                              <p:cond delay="0"/>
+                            </p:stCondLst>
+                            <p:childTnLst>
+                              <p:par>
+                                <p:cTn id="13" presetID="1" presetClass="entr" presetSubtype="0" fill="hold" grpId="0" nodeType="clickEffect">
+                                  <p:stCondLst>
+                                    <p:cond delay="0"/>
+                                  </p:stCondLst>
+                                  <p:childTnLst>
+                                    <p:set>
+                                      <p:cBhvr>
+                                        <p:cTn id="14" dur="1" fill="hold">
+                                          <p:stCondLst>
+                                            <p:cond delay="0"/>
+                                          </p:stCondLst>
+                                        </p:cTn>
+                                        <p:tgtEl>
+                                          <p:spTgt spid="8">
+                                            <p:txEl>
+                                              <p:pRg st="6" end="6"/>
+                                            </p:txEl>
+                                          </p:spTgt>
+                                        </p:tgtEl>
+                                        <p:attrNameLst>
+                                          <p:attrName>style.visibility</p:attrName>
+                                        </p:attrNameLst>
+                                      </p:cBhvr>
+                                      <p:to>
+                                        <p:strVal val="visible"/>
+                                      </p:to>
+                                    </p:set>
+                                  </p:childTnLst>
+                                </p:cTn>
+                              </p:par>
+                            </p:childTnLst>
+                          </p:cTn>
+                        </p:par>
+                      </p:childTnLst>
+                    </p:cTn>
+                  </p:par>
+                  <p:par>
+                    <p:cTn id="15" fill="hold">
+                      <p:stCondLst>
+                        <p:cond delay="indefinite"/>
+                      </p:stCondLst>
+                      <p:childTnLst>
+                        <p:par>
+                          <p:cTn id="16" fill="hold">
+                            <p:stCondLst>
+                              <p:cond delay="0"/>
+                            </p:stCondLst>
+                            <p:childTnLst>
+                              <p:par>
+                                <p:cTn id="17" presetID="1" presetClass="entr" presetSubtype="0" fill="hold" grpId="0" nodeType="clickEffect">
+                                  <p:stCondLst>
+                                    <p:cond delay="0"/>
+                                  </p:stCondLst>
+                                  <p:childTnLst>
+                                    <p:set>
+                                      <p:cBhvr>
+                                        <p:cTn id="18" dur="1" fill="hold">
+                                          <p:stCondLst>
+                                            <p:cond delay="0"/>
+                                          </p:stCondLst>
+                                        </p:cTn>
+                                        <p:tgtEl>
+                                          <p:spTgt spid="8">
+                                            <p:txEl>
+                                              <p:pRg st="7" end="7"/>
+                                            </p:txEl>
+                                          </p:spTgt>
+                                        </p:tgtEl>
+                                        <p:attrNameLst>
+                                          <p:attrName>style.visibility</p:attrName>
+                                        </p:attrNameLst>
+                                      </p:cBhvr>
+                                      <p:to>
+                                        <p:strVal val="visible"/>
+                                      </p:to>
+                                    </p:set>
+                                  </p:childTnLst>
+                                </p:cTn>
+                              </p:par>
+                            </p:childTnLst>
+                          </p:cTn>
+                        </p:par>
+                      </p:childTnLst>
+                    </p:cTn>
+                  </p:par>
+                </p:childTnLst>
+              </p:cTn>
+              <p:prevCondLst>
+                <p:cond evt="onPrev" delay="0">
+                  <p:tgtEl>
+                    <p:sldTgt/>
+                  </p:tgtEl>
+                </p:cond>
+              </p:prevCondLst>
+              <p:nextCondLst>
+                <p:cond evt="onNext" delay="0">
+                  <p:tgtEl>
+                    <p:sldTgt/>
+                  </p:tgtEl>
+                </p:cond>
+              </p:nextCondLst>
+            </p:seq>
+          </p:childTnLst>
+        </p:cTn>
       </p:par>
     </p:tnLst>
+    <p:bldLst>
+      <p:bldP spid="8" grpId="0" build="p"/>
+    </p:bldLst>
   </p:timing>
 </p:sld>
 </file>
@@ -8664,9 +11339,182 @@
   <p:timing>
     <p:tnLst>
       <p:par>
-        <p:cTn id="1" dur="indefinite" restart="never" nodeType="tmRoot"/>
+        <p:cTn id="1" dur="indefinite" restart="never" nodeType="tmRoot">
+          <p:childTnLst>
+            <p:seq concurrent="1" nextAc="seek">
+              <p:cTn id="2" dur="indefinite" nodeType="mainSeq">
+                <p:childTnLst>
+                  <p:par>
+                    <p:cTn id="3" fill="hold">
+                      <p:stCondLst>
+                        <p:cond delay="indefinite"/>
+                      </p:stCondLst>
+                      <p:childTnLst>
+                        <p:par>
+                          <p:cTn id="4" fill="hold">
+                            <p:stCondLst>
+                              <p:cond delay="0"/>
+                            </p:stCondLst>
+                            <p:childTnLst>
+                              <p:par>
+                                <p:cTn id="5" presetID="1" presetClass="entr" presetSubtype="0" fill="hold" grpId="0" nodeType="clickEffect">
+                                  <p:stCondLst>
+                                    <p:cond delay="0"/>
+                                  </p:stCondLst>
+                                  <p:childTnLst>
+                                    <p:set>
+                                      <p:cBhvr>
+                                        <p:cTn id="6" dur="1" fill="hold">
+                                          <p:stCondLst>
+                                            <p:cond delay="0"/>
+                                          </p:stCondLst>
+                                        </p:cTn>
+                                        <p:tgtEl>
+                                          <p:spTgt spid="3">
+                                            <p:txEl>
+                                              <p:pRg st="0" end="0"/>
+                                            </p:txEl>
+                                          </p:spTgt>
+                                        </p:tgtEl>
+                                        <p:attrNameLst>
+                                          <p:attrName>style.visibility</p:attrName>
+                                        </p:attrNameLst>
+                                      </p:cBhvr>
+                                      <p:to>
+                                        <p:strVal val="visible"/>
+                                      </p:to>
+                                    </p:set>
+                                  </p:childTnLst>
+                                </p:cTn>
+                              </p:par>
+                            </p:childTnLst>
+                          </p:cTn>
+                        </p:par>
+                      </p:childTnLst>
+                    </p:cTn>
+                  </p:par>
+                  <p:par>
+                    <p:cTn id="7" fill="hold">
+                      <p:stCondLst>
+                        <p:cond delay="indefinite"/>
+                      </p:stCondLst>
+                      <p:childTnLst>
+                        <p:par>
+                          <p:cTn id="8" fill="hold">
+                            <p:stCondLst>
+                              <p:cond delay="0"/>
+                            </p:stCondLst>
+                            <p:childTnLst>
+                              <p:par>
+                                <p:cTn id="9" presetID="1" presetClass="entr" presetSubtype="0" fill="hold" grpId="0" nodeType="clickEffect">
+                                  <p:stCondLst>
+                                    <p:cond delay="0"/>
+                                  </p:stCondLst>
+                                  <p:childTnLst>
+                                    <p:set>
+                                      <p:cBhvr>
+                                        <p:cTn id="10" dur="1" fill="hold">
+                                          <p:stCondLst>
+                                            <p:cond delay="0"/>
+                                          </p:stCondLst>
+                                        </p:cTn>
+                                        <p:tgtEl>
+                                          <p:spTgt spid="3">
+                                            <p:txEl>
+                                              <p:pRg st="2" end="2"/>
+                                            </p:txEl>
+                                          </p:spTgt>
+                                        </p:tgtEl>
+                                        <p:attrNameLst>
+                                          <p:attrName>style.visibility</p:attrName>
+                                        </p:attrNameLst>
+                                      </p:cBhvr>
+                                      <p:to>
+                                        <p:strVal val="visible"/>
+                                      </p:to>
+                                    </p:set>
+                                  </p:childTnLst>
+                                </p:cTn>
+                              </p:par>
+                            </p:childTnLst>
+                          </p:cTn>
+                        </p:par>
+                      </p:childTnLst>
+                    </p:cTn>
+                  </p:par>
+                  <p:par>
+                    <p:cTn id="11" fill="hold">
+                      <p:stCondLst>
+                        <p:cond delay="indefinite"/>
+                      </p:stCondLst>
+                      <p:childTnLst>
+                        <p:par>
+                          <p:cTn id="12" fill="hold">
+                            <p:stCondLst>
+                              <p:cond delay="0"/>
+                            </p:stCondLst>
+                            <p:childTnLst>
+                              <p:par>
+                                <p:cTn id="13" presetID="1" presetClass="entr" presetSubtype="0" fill="hold" grpId="0" nodeType="clickEffect">
+                                  <p:stCondLst>
+                                    <p:cond delay="0"/>
+                                  </p:stCondLst>
+                                  <p:childTnLst>
+                                    <p:set>
+                                      <p:cBhvr>
+                                        <p:cTn id="14" dur="1" fill="hold">
+                                          <p:stCondLst>
+                                            <p:cond delay="0"/>
+                                          </p:stCondLst>
+                                        </p:cTn>
+                                        <p:tgtEl>
+                                          <p:spTgt spid="3">
+                                            <p:txEl>
+                                              <p:pRg st="4" end="4"/>
+                                            </p:txEl>
+                                          </p:spTgt>
+                                        </p:tgtEl>
+                                        <p:attrNameLst>
+                                          <p:attrName>style.visibility</p:attrName>
+                                        </p:attrNameLst>
+                                      </p:cBhvr>
+                                      <p:to>
+                                        <p:strVal val="visible"/>
+                                      </p:to>
+                                    </p:set>
+                                  </p:childTnLst>
+                                </p:cTn>
+                              </p:par>
+                            </p:childTnLst>
+                          </p:cTn>
+                        </p:par>
+                      </p:childTnLst>
+                    </p:cTn>
+                  </p:par>
+                </p:childTnLst>
+              </p:cTn>
+              <p:prevCondLst>
+                <p:cond evt="onPrev" delay="0">
+                  <p:tgtEl>
+                    <p:sldTgt/>
+                  </p:tgtEl>
+                </p:cond>
+              </p:prevCondLst>
+              <p:nextCondLst>
+                <p:cond evt="onNext" delay="0">
+                  <p:tgtEl>
+                    <p:sldTgt/>
+                  </p:tgtEl>
+                </p:cond>
+              </p:nextCondLst>
+            </p:seq>
+          </p:childTnLst>
+        </p:cTn>
       </p:par>
     </p:tnLst>
+    <p:bldLst>
+      <p:bldP spid="3" grpId="0" build="p"/>
+    </p:bldLst>
   </p:timing>
 </p:sld>
 </file>
@@ -8857,9 +11705,182 @@
   <p:timing>
     <p:tnLst>
       <p:par>
-        <p:cTn id="1" dur="indefinite" restart="never" nodeType="tmRoot"/>
+        <p:cTn id="1" dur="indefinite" restart="never" nodeType="tmRoot">
+          <p:childTnLst>
+            <p:seq concurrent="1" nextAc="seek">
+              <p:cTn id="2" dur="indefinite" nodeType="mainSeq">
+                <p:childTnLst>
+                  <p:par>
+                    <p:cTn id="3" fill="hold">
+                      <p:stCondLst>
+                        <p:cond delay="indefinite"/>
+                      </p:stCondLst>
+                      <p:childTnLst>
+                        <p:par>
+                          <p:cTn id="4" fill="hold">
+                            <p:stCondLst>
+                              <p:cond delay="0"/>
+                            </p:stCondLst>
+                            <p:childTnLst>
+                              <p:par>
+                                <p:cTn id="5" presetID="1" presetClass="entr" presetSubtype="0" fill="hold" grpId="0" nodeType="clickEffect">
+                                  <p:stCondLst>
+                                    <p:cond delay="0"/>
+                                  </p:stCondLst>
+                                  <p:childTnLst>
+                                    <p:set>
+                                      <p:cBhvr>
+                                        <p:cTn id="6" dur="1" fill="hold">
+                                          <p:stCondLst>
+                                            <p:cond delay="0"/>
+                                          </p:stCondLst>
+                                        </p:cTn>
+                                        <p:tgtEl>
+                                          <p:spTgt spid="3">
+                                            <p:txEl>
+                                              <p:pRg st="0" end="0"/>
+                                            </p:txEl>
+                                          </p:spTgt>
+                                        </p:tgtEl>
+                                        <p:attrNameLst>
+                                          <p:attrName>style.visibility</p:attrName>
+                                        </p:attrNameLst>
+                                      </p:cBhvr>
+                                      <p:to>
+                                        <p:strVal val="visible"/>
+                                      </p:to>
+                                    </p:set>
+                                  </p:childTnLst>
+                                </p:cTn>
+                              </p:par>
+                            </p:childTnLst>
+                          </p:cTn>
+                        </p:par>
+                      </p:childTnLst>
+                    </p:cTn>
+                  </p:par>
+                  <p:par>
+                    <p:cTn id="7" fill="hold">
+                      <p:stCondLst>
+                        <p:cond delay="indefinite"/>
+                      </p:stCondLst>
+                      <p:childTnLst>
+                        <p:par>
+                          <p:cTn id="8" fill="hold">
+                            <p:stCondLst>
+                              <p:cond delay="0"/>
+                            </p:stCondLst>
+                            <p:childTnLst>
+                              <p:par>
+                                <p:cTn id="9" presetID="1" presetClass="entr" presetSubtype="0" fill="hold" grpId="0" nodeType="clickEffect">
+                                  <p:stCondLst>
+                                    <p:cond delay="0"/>
+                                  </p:stCondLst>
+                                  <p:childTnLst>
+                                    <p:set>
+                                      <p:cBhvr>
+                                        <p:cTn id="10" dur="1" fill="hold">
+                                          <p:stCondLst>
+                                            <p:cond delay="0"/>
+                                          </p:stCondLst>
+                                        </p:cTn>
+                                        <p:tgtEl>
+                                          <p:spTgt spid="3">
+                                            <p:txEl>
+                                              <p:pRg st="2" end="2"/>
+                                            </p:txEl>
+                                          </p:spTgt>
+                                        </p:tgtEl>
+                                        <p:attrNameLst>
+                                          <p:attrName>style.visibility</p:attrName>
+                                        </p:attrNameLst>
+                                      </p:cBhvr>
+                                      <p:to>
+                                        <p:strVal val="visible"/>
+                                      </p:to>
+                                    </p:set>
+                                  </p:childTnLst>
+                                </p:cTn>
+                              </p:par>
+                            </p:childTnLst>
+                          </p:cTn>
+                        </p:par>
+                      </p:childTnLst>
+                    </p:cTn>
+                  </p:par>
+                  <p:par>
+                    <p:cTn id="11" fill="hold">
+                      <p:stCondLst>
+                        <p:cond delay="indefinite"/>
+                      </p:stCondLst>
+                      <p:childTnLst>
+                        <p:par>
+                          <p:cTn id="12" fill="hold">
+                            <p:stCondLst>
+                              <p:cond delay="0"/>
+                            </p:stCondLst>
+                            <p:childTnLst>
+                              <p:par>
+                                <p:cTn id="13" presetID="1" presetClass="entr" presetSubtype="0" fill="hold" grpId="0" nodeType="clickEffect">
+                                  <p:stCondLst>
+                                    <p:cond delay="0"/>
+                                  </p:stCondLst>
+                                  <p:childTnLst>
+                                    <p:set>
+                                      <p:cBhvr>
+                                        <p:cTn id="14" dur="1" fill="hold">
+                                          <p:stCondLst>
+                                            <p:cond delay="0"/>
+                                          </p:stCondLst>
+                                        </p:cTn>
+                                        <p:tgtEl>
+                                          <p:spTgt spid="3">
+                                            <p:txEl>
+                                              <p:pRg st="4" end="4"/>
+                                            </p:txEl>
+                                          </p:spTgt>
+                                        </p:tgtEl>
+                                        <p:attrNameLst>
+                                          <p:attrName>style.visibility</p:attrName>
+                                        </p:attrNameLst>
+                                      </p:cBhvr>
+                                      <p:to>
+                                        <p:strVal val="visible"/>
+                                      </p:to>
+                                    </p:set>
+                                  </p:childTnLst>
+                                </p:cTn>
+                              </p:par>
+                            </p:childTnLst>
+                          </p:cTn>
+                        </p:par>
+                      </p:childTnLst>
+                    </p:cTn>
+                  </p:par>
+                </p:childTnLst>
+              </p:cTn>
+              <p:prevCondLst>
+                <p:cond evt="onPrev" delay="0">
+                  <p:tgtEl>
+                    <p:sldTgt/>
+                  </p:tgtEl>
+                </p:cond>
+              </p:prevCondLst>
+              <p:nextCondLst>
+                <p:cond evt="onNext" delay="0">
+                  <p:tgtEl>
+                    <p:sldTgt/>
+                  </p:tgtEl>
+                </p:cond>
+              </p:nextCondLst>
+            </p:seq>
+          </p:childTnLst>
+        </p:cTn>
       </p:par>
     </p:tnLst>
+    <p:bldLst>
+      <p:bldP spid="3" grpId="0" build="p"/>
+    </p:bldLst>
   </p:timing>
 </p:sld>
 </file>
@@ -9042,9 +12063,231 @@
   <p:timing>
     <p:tnLst>
       <p:par>
-        <p:cTn id="1" dur="indefinite" restart="never" nodeType="tmRoot"/>
+        <p:cTn id="1" dur="indefinite" restart="never" nodeType="tmRoot">
+          <p:childTnLst>
+            <p:seq concurrent="1" nextAc="seek">
+              <p:cTn id="2" dur="indefinite" nodeType="mainSeq">
+                <p:childTnLst>
+                  <p:par>
+                    <p:cTn id="3" fill="hold">
+                      <p:stCondLst>
+                        <p:cond delay="indefinite"/>
+                      </p:stCondLst>
+                      <p:childTnLst>
+                        <p:par>
+                          <p:cTn id="4" fill="hold">
+                            <p:stCondLst>
+                              <p:cond delay="0"/>
+                            </p:stCondLst>
+                            <p:childTnLst>
+                              <p:par>
+                                <p:cTn id="5" presetID="1" presetClass="entr" presetSubtype="0" fill="hold" grpId="0" nodeType="clickEffect">
+                                  <p:stCondLst>
+                                    <p:cond delay="0"/>
+                                  </p:stCondLst>
+                                  <p:childTnLst>
+                                    <p:set>
+                                      <p:cBhvr>
+                                        <p:cTn id="6" dur="1" fill="hold">
+                                          <p:stCondLst>
+                                            <p:cond delay="0"/>
+                                          </p:stCondLst>
+                                        </p:cTn>
+                                        <p:tgtEl>
+                                          <p:spTgt spid="3">
+                                            <p:txEl>
+                                              <p:pRg st="0" end="0"/>
+                                            </p:txEl>
+                                          </p:spTgt>
+                                        </p:tgtEl>
+                                        <p:attrNameLst>
+                                          <p:attrName>style.visibility</p:attrName>
+                                        </p:attrNameLst>
+                                      </p:cBhvr>
+                                      <p:to>
+                                        <p:strVal val="visible"/>
+                                      </p:to>
+                                    </p:set>
+                                  </p:childTnLst>
+                                </p:cTn>
+                              </p:par>
+                            </p:childTnLst>
+                          </p:cTn>
+                        </p:par>
+                      </p:childTnLst>
+                    </p:cTn>
+                  </p:par>
+                  <p:par>
+                    <p:cTn id="7" fill="hold">
+                      <p:stCondLst>
+                        <p:cond delay="indefinite"/>
+                      </p:stCondLst>
+                      <p:childTnLst>
+                        <p:par>
+                          <p:cTn id="8" fill="hold">
+                            <p:stCondLst>
+                              <p:cond delay="0"/>
+                            </p:stCondLst>
+                            <p:childTnLst>
+                              <p:par>
+                                <p:cTn id="9" presetID="1" presetClass="entr" presetSubtype="0" fill="hold" grpId="0" nodeType="clickEffect">
+                                  <p:stCondLst>
+                                    <p:cond delay="0"/>
+                                  </p:stCondLst>
+                                  <p:childTnLst>
+                                    <p:set>
+                                      <p:cBhvr>
+                                        <p:cTn id="10" dur="1" fill="hold">
+                                          <p:stCondLst>
+                                            <p:cond delay="0"/>
+                                          </p:stCondLst>
+                                        </p:cTn>
+                                        <p:tgtEl>
+                                          <p:spTgt spid="3">
+                                            <p:txEl>
+                                              <p:pRg st="2" end="2"/>
+                                            </p:txEl>
+                                          </p:spTgt>
+                                        </p:tgtEl>
+                                        <p:attrNameLst>
+                                          <p:attrName>style.visibility</p:attrName>
+                                        </p:attrNameLst>
+                                      </p:cBhvr>
+                                      <p:to>
+                                        <p:strVal val="visible"/>
+                                      </p:to>
+                                    </p:set>
+                                  </p:childTnLst>
+                                </p:cTn>
+                              </p:par>
+                            </p:childTnLst>
+                          </p:cTn>
+                        </p:par>
+                      </p:childTnLst>
+                    </p:cTn>
+                  </p:par>
+                  <p:par>
+                    <p:cTn id="11" fill="hold">
+                      <p:stCondLst>
+                        <p:cond delay="indefinite"/>
+                      </p:stCondLst>
+                      <p:childTnLst>
+                        <p:par>
+                          <p:cTn id="12" fill="hold">
+                            <p:stCondLst>
+                              <p:cond delay="0"/>
+                            </p:stCondLst>
+                            <p:childTnLst>
+                              <p:par>
+                                <p:cTn id="13" presetID="1" presetClass="entr" presetSubtype="0" fill="hold" grpId="0" nodeType="clickEffect">
+                                  <p:stCondLst>
+                                    <p:cond delay="0"/>
+                                  </p:stCondLst>
+                                  <p:childTnLst>
+                                    <p:set>
+                                      <p:cBhvr>
+                                        <p:cTn id="14" dur="1" fill="hold">
+                                          <p:stCondLst>
+                                            <p:cond delay="0"/>
+                                          </p:stCondLst>
+                                        </p:cTn>
+                                        <p:tgtEl>
+                                          <p:spTgt spid="3">
+                                            <p:txEl>
+                                              <p:pRg st="4" end="4"/>
+                                            </p:txEl>
+                                          </p:spTgt>
+                                        </p:tgtEl>
+                                        <p:attrNameLst>
+                                          <p:attrName>style.visibility</p:attrName>
+                                        </p:attrNameLst>
+                                      </p:cBhvr>
+                                      <p:to>
+                                        <p:strVal val="visible"/>
+                                      </p:to>
+                                    </p:set>
+                                  </p:childTnLst>
+                                </p:cTn>
+                              </p:par>
+                            </p:childTnLst>
+                          </p:cTn>
+                        </p:par>
+                      </p:childTnLst>
+                    </p:cTn>
+                  </p:par>
+                  <p:par>
+                    <p:cTn id="15" fill="hold">
+                      <p:stCondLst>
+                        <p:cond delay="indefinite"/>
+                      </p:stCondLst>
+                      <p:childTnLst>
+                        <p:par>
+                          <p:cTn id="16" fill="hold">
+                            <p:stCondLst>
+                              <p:cond delay="0"/>
+                            </p:stCondLst>
+                            <p:childTnLst>
+                              <p:par>
+                                <p:cTn id="17" presetID="1" presetClass="entr" presetSubtype="0" fill="hold" grpId="0" nodeType="clickEffect">
+                                  <p:stCondLst>
+                                    <p:cond delay="0"/>
+                                  </p:stCondLst>
+                                  <p:childTnLst>
+                                    <p:set>
+                                      <p:cBhvr>
+                                        <p:cTn id="18" dur="1" fill="hold">
+                                          <p:stCondLst>
+                                            <p:cond delay="0"/>
+                                          </p:stCondLst>
+                                        </p:cTn>
+                                        <p:tgtEl>
+                                          <p:spTgt spid="3">
+                                            <p:txEl>
+                                              <p:pRg st="6" end="6"/>
+                                            </p:txEl>
+                                          </p:spTgt>
+                                        </p:tgtEl>
+                                        <p:attrNameLst>
+                                          <p:attrName>style.visibility</p:attrName>
+                                        </p:attrNameLst>
+                                      </p:cBhvr>
+                                      <p:to>
+                                        <p:strVal val="visible"/>
+                                      </p:to>
+                                    </p:set>
+                                  </p:childTnLst>
+                                </p:cTn>
+                              </p:par>
+                            </p:childTnLst>
+                          </p:cTn>
+                        </p:par>
+                      </p:childTnLst>
+                    </p:cTn>
+                  </p:par>
+                </p:childTnLst>
+              </p:cTn>
+              <p:prevCondLst>
+                <p:cond evt="onPrev" delay="0">
+                  <p:tgtEl>
+                    <p:sldTgt/>
+                  </p:tgtEl>
+                </p:cond>
+              </p:prevCondLst>
+              <p:nextCondLst>
+                <p:cond evt="onNext" delay="0">
+                  <p:tgtEl>
+                    <p:sldTgt/>
+                  </p:tgtEl>
+                </p:cond>
+              </p:nextCondLst>
+            </p:seq>
+          </p:childTnLst>
+        </p:cTn>
       </p:par>
     </p:tnLst>
+    <p:bldLst>
+      <p:bldP spid="3" grpId="0" build="p"/>
+    </p:bldLst>
   </p:timing>
 </p:sld>
 </file>
@@ -9374,9 +12617,84 @@
   <p:timing>
     <p:tnLst>
       <p:par>
-        <p:cTn id="1" dur="indefinite" restart="never" nodeType="tmRoot"/>
+        <p:cTn id="1" dur="indefinite" restart="never" nodeType="tmRoot">
+          <p:childTnLst>
+            <p:seq concurrent="1" nextAc="seek">
+              <p:cTn id="2" dur="indefinite" nodeType="mainSeq">
+                <p:childTnLst>
+                  <p:par>
+                    <p:cTn id="3" fill="hold">
+                      <p:stCondLst>
+                        <p:cond delay="indefinite"/>
+                      </p:stCondLst>
+                      <p:childTnLst>
+                        <p:par>
+                          <p:cTn id="4" fill="hold">
+                            <p:stCondLst>
+                              <p:cond delay="0"/>
+                            </p:stCondLst>
+                            <p:childTnLst>
+                              <p:par>
+                                <p:cTn id="5" presetID="1" presetClass="entr" presetSubtype="0" fill="hold" grpId="0" nodeType="clickEffect">
+                                  <p:stCondLst>
+                                    <p:cond delay="0"/>
+                                  </p:stCondLst>
+                                  <p:childTnLst>
+                                    <p:set>
+                                      <p:cBhvr>
+                                        <p:cTn id="6" dur="1" fill="hold">
+                                          <p:stCondLst>
+                                            <p:cond delay="0"/>
+                                          </p:stCondLst>
+                                        </p:cTn>
+                                        <p:tgtEl>
+                                          <p:spTgt spid="8">
+                                            <p:txEl>
+                                              <p:pRg st="5" end="5"/>
+                                            </p:txEl>
+                                          </p:spTgt>
+                                        </p:tgtEl>
+                                        <p:attrNameLst>
+                                          <p:attrName>style.visibility</p:attrName>
+                                        </p:attrNameLst>
+                                      </p:cBhvr>
+                                      <p:to>
+                                        <p:strVal val="visible"/>
+                                      </p:to>
+                                    </p:set>
+                                  </p:childTnLst>
+                                </p:cTn>
+                              </p:par>
+                            </p:childTnLst>
+                          </p:cTn>
+                        </p:par>
+                      </p:childTnLst>
+                    </p:cTn>
+                  </p:par>
+                </p:childTnLst>
+              </p:cTn>
+              <p:prevCondLst>
+                <p:cond evt="onPrev" delay="0">
+                  <p:tgtEl>
+                    <p:sldTgt/>
+                  </p:tgtEl>
+                </p:cond>
+              </p:prevCondLst>
+              <p:nextCondLst>
+                <p:cond evt="onNext" delay="0">
+                  <p:tgtEl>
+                    <p:sldTgt/>
+                  </p:tgtEl>
+                </p:cond>
+              </p:nextCondLst>
+            </p:seq>
+          </p:childTnLst>
+        </p:cTn>
       </p:par>
     </p:tnLst>
+    <p:bldLst>
+      <p:bldP spid="8" grpId="0" build="p"/>
+    </p:bldLst>
   </p:timing>
 </p:sld>
 </file>
